--- a/Temperature Screening IPA.pptx
+++ b/Temperature Screening IPA.pptx
@@ -8,6 +8,8 @@
     <p:sldId id="256" r:id="rId2"/>
     <p:sldId id="257" r:id="rId3"/>
     <p:sldId id="258" r:id="rId4"/>
+    <p:sldId id="259" r:id="rId5"/>
+    <p:sldId id="260" r:id="rId6"/>
   </p:sldIdLst>
   <p:sldSz cx="12192000" cy="6858000"/>
   <p:notesSz cx="6858000" cy="9144000"/>
@@ -857,6 +859,753 @@
 </file>
 
 <file path=ppt/diagrams/colors2.xml><?xml version="1.0" encoding="utf-8"?>
+<dgm:colorsDef xmlns:dgm="http://schemas.openxmlformats.org/drawingml/2006/diagram" xmlns:a="http://schemas.openxmlformats.org/drawingml/2006/main" uniqueId="urn:microsoft.com/office/officeart/2005/8/colors/accent1_2">
+  <dgm:title val=""/>
+  <dgm:desc val=""/>
+  <dgm:catLst>
+    <dgm:cat type="accent1" pri="11200"/>
+  </dgm:catLst>
+  <dgm:styleLbl name="node0">
+    <dgm:fillClrLst meth="repeat">
+      <a:schemeClr val="accent1"/>
+    </dgm:fillClrLst>
+    <dgm:linClrLst meth="repeat">
+      <a:schemeClr val="lt1"/>
+    </dgm:linClrLst>
+    <dgm:effectClrLst/>
+    <dgm:txLinClrLst/>
+    <dgm:txFillClrLst/>
+    <dgm:txEffectClrLst/>
+  </dgm:styleLbl>
+  <dgm:styleLbl name="alignNode1">
+    <dgm:fillClrLst meth="repeat">
+      <a:schemeClr val="accent1"/>
+    </dgm:fillClrLst>
+    <dgm:linClrLst meth="repeat">
+      <a:schemeClr val="accent1"/>
+    </dgm:linClrLst>
+    <dgm:effectClrLst/>
+    <dgm:txLinClrLst/>
+    <dgm:txFillClrLst/>
+    <dgm:txEffectClrLst/>
+  </dgm:styleLbl>
+  <dgm:styleLbl name="node1">
+    <dgm:fillClrLst meth="repeat">
+      <a:schemeClr val="accent1"/>
+    </dgm:fillClrLst>
+    <dgm:linClrLst meth="repeat">
+      <a:schemeClr val="lt1"/>
+    </dgm:linClrLst>
+    <dgm:effectClrLst/>
+    <dgm:txLinClrLst/>
+    <dgm:txFillClrLst/>
+    <dgm:txEffectClrLst/>
+  </dgm:styleLbl>
+  <dgm:styleLbl name="lnNode1">
+    <dgm:fillClrLst meth="repeat">
+      <a:schemeClr val="accent1"/>
+    </dgm:fillClrLst>
+    <dgm:linClrLst meth="repeat">
+      <a:schemeClr val="lt1"/>
+    </dgm:linClrLst>
+    <dgm:effectClrLst/>
+    <dgm:txLinClrLst/>
+    <dgm:txFillClrLst/>
+    <dgm:txEffectClrLst/>
+  </dgm:styleLbl>
+  <dgm:styleLbl name="vennNode1">
+    <dgm:fillClrLst meth="repeat">
+      <a:schemeClr val="accent1">
+        <a:alpha val="50000"/>
+      </a:schemeClr>
+    </dgm:fillClrLst>
+    <dgm:linClrLst meth="repeat">
+      <a:schemeClr val="lt1"/>
+    </dgm:linClrLst>
+    <dgm:effectClrLst/>
+    <dgm:txLinClrLst/>
+    <dgm:txFillClrLst/>
+    <dgm:txEffectClrLst/>
+  </dgm:styleLbl>
+  <dgm:styleLbl name="node2">
+    <dgm:fillClrLst meth="repeat">
+      <a:schemeClr val="accent1"/>
+    </dgm:fillClrLst>
+    <dgm:linClrLst meth="repeat">
+      <a:schemeClr val="lt1"/>
+    </dgm:linClrLst>
+    <dgm:effectClrLst/>
+    <dgm:txLinClrLst/>
+    <dgm:txFillClrLst/>
+    <dgm:txEffectClrLst/>
+  </dgm:styleLbl>
+  <dgm:styleLbl name="node3">
+    <dgm:fillClrLst meth="repeat">
+      <a:schemeClr val="accent1"/>
+    </dgm:fillClrLst>
+    <dgm:linClrLst meth="repeat">
+      <a:schemeClr val="lt1"/>
+    </dgm:linClrLst>
+    <dgm:effectClrLst/>
+    <dgm:txLinClrLst/>
+    <dgm:txFillClrLst/>
+    <dgm:txEffectClrLst/>
+  </dgm:styleLbl>
+  <dgm:styleLbl name="node4">
+    <dgm:fillClrLst meth="repeat">
+      <a:schemeClr val="accent1"/>
+    </dgm:fillClrLst>
+    <dgm:linClrLst meth="repeat">
+      <a:schemeClr val="lt1"/>
+    </dgm:linClrLst>
+    <dgm:effectClrLst/>
+    <dgm:txLinClrLst/>
+    <dgm:txFillClrLst/>
+    <dgm:txEffectClrLst/>
+  </dgm:styleLbl>
+  <dgm:styleLbl name="fgImgPlace1">
+    <dgm:fillClrLst meth="repeat">
+      <a:schemeClr val="accent1">
+        <a:tint val="50000"/>
+      </a:schemeClr>
+    </dgm:fillClrLst>
+    <dgm:linClrLst meth="repeat">
+      <a:schemeClr val="lt1"/>
+    </dgm:linClrLst>
+    <dgm:effectClrLst/>
+    <dgm:txLinClrLst/>
+    <dgm:txFillClrLst meth="repeat">
+      <a:schemeClr val="lt1"/>
+    </dgm:txFillClrLst>
+    <dgm:txEffectClrLst/>
+  </dgm:styleLbl>
+  <dgm:styleLbl name="alignImgPlace1">
+    <dgm:fillClrLst meth="repeat">
+      <a:schemeClr val="accent1">
+        <a:tint val="50000"/>
+      </a:schemeClr>
+    </dgm:fillClrLst>
+    <dgm:linClrLst meth="repeat">
+      <a:schemeClr val="lt1"/>
+    </dgm:linClrLst>
+    <dgm:effectClrLst/>
+    <dgm:txLinClrLst/>
+    <dgm:txFillClrLst meth="repeat">
+      <a:schemeClr val="lt1"/>
+    </dgm:txFillClrLst>
+    <dgm:txEffectClrLst/>
+  </dgm:styleLbl>
+  <dgm:styleLbl name="bgImgPlace1">
+    <dgm:fillClrLst meth="repeat">
+      <a:schemeClr val="accent1">
+        <a:tint val="50000"/>
+      </a:schemeClr>
+    </dgm:fillClrLst>
+    <dgm:linClrLst meth="repeat">
+      <a:schemeClr val="lt1"/>
+    </dgm:linClrLst>
+    <dgm:effectClrLst/>
+    <dgm:txLinClrLst/>
+    <dgm:txFillClrLst meth="repeat">
+      <a:schemeClr val="lt1"/>
+    </dgm:txFillClrLst>
+    <dgm:txEffectClrLst/>
+  </dgm:styleLbl>
+  <dgm:styleLbl name="sibTrans2D1">
+    <dgm:fillClrLst meth="repeat">
+      <a:schemeClr val="accent1">
+        <a:tint val="60000"/>
+      </a:schemeClr>
+    </dgm:fillClrLst>
+    <dgm:linClrLst meth="repeat">
+      <a:schemeClr val="accent1">
+        <a:tint val="60000"/>
+      </a:schemeClr>
+    </dgm:linClrLst>
+    <dgm:effectClrLst/>
+    <dgm:txLinClrLst/>
+    <dgm:txFillClrLst/>
+    <dgm:txEffectClrLst/>
+  </dgm:styleLbl>
+  <dgm:styleLbl name="fgSibTrans2D1">
+    <dgm:fillClrLst meth="repeat">
+      <a:schemeClr val="accent1">
+        <a:tint val="60000"/>
+      </a:schemeClr>
+    </dgm:fillClrLst>
+    <dgm:linClrLst meth="repeat">
+      <a:schemeClr val="accent1">
+        <a:tint val="60000"/>
+      </a:schemeClr>
+    </dgm:linClrLst>
+    <dgm:effectClrLst/>
+    <dgm:txLinClrLst/>
+    <dgm:txFillClrLst/>
+    <dgm:txEffectClrLst/>
+  </dgm:styleLbl>
+  <dgm:styleLbl name="bgSibTrans2D1">
+    <dgm:fillClrLst meth="repeat">
+      <a:schemeClr val="accent1">
+        <a:tint val="60000"/>
+      </a:schemeClr>
+    </dgm:fillClrLst>
+    <dgm:linClrLst meth="repeat">
+      <a:schemeClr val="accent1">
+        <a:tint val="60000"/>
+      </a:schemeClr>
+    </dgm:linClrLst>
+    <dgm:effectClrLst/>
+    <dgm:txLinClrLst/>
+    <dgm:txFillClrLst/>
+    <dgm:txEffectClrLst/>
+  </dgm:styleLbl>
+  <dgm:styleLbl name="sibTrans1D1">
+    <dgm:fillClrLst meth="repeat">
+      <a:schemeClr val="accent1"/>
+    </dgm:fillClrLst>
+    <dgm:linClrLst meth="repeat">
+      <a:schemeClr val="accent1"/>
+    </dgm:linClrLst>
+    <dgm:effectClrLst/>
+    <dgm:txLinClrLst/>
+    <dgm:txFillClrLst meth="repeat">
+      <a:schemeClr val="tx1"/>
+    </dgm:txFillClrLst>
+    <dgm:txEffectClrLst/>
+  </dgm:styleLbl>
+  <dgm:styleLbl name="callout">
+    <dgm:fillClrLst meth="repeat">
+      <a:schemeClr val="accent1"/>
+    </dgm:fillClrLst>
+    <dgm:linClrLst meth="repeat">
+      <a:schemeClr val="accent1">
+        <a:tint val="50000"/>
+      </a:schemeClr>
+    </dgm:linClrLst>
+    <dgm:effectClrLst/>
+    <dgm:txLinClrLst/>
+    <dgm:txFillClrLst meth="repeat">
+      <a:schemeClr val="tx1"/>
+    </dgm:txFillClrLst>
+    <dgm:txEffectClrLst/>
+  </dgm:styleLbl>
+  <dgm:styleLbl name="asst0">
+    <dgm:fillClrLst meth="repeat">
+      <a:schemeClr val="accent1"/>
+    </dgm:fillClrLst>
+    <dgm:linClrLst meth="repeat">
+      <a:schemeClr val="lt1"/>
+    </dgm:linClrLst>
+    <dgm:effectClrLst/>
+    <dgm:txLinClrLst/>
+    <dgm:txFillClrLst/>
+    <dgm:txEffectClrLst/>
+  </dgm:styleLbl>
+  <dgm:styleLbl name="asst1">
+    <dgm:fillClrLst meth="repeat">
+      <a:schemeClr val="accent1"/>
+    </dgm:fillClrLst>
+    <dgm:linClrLst meth="repeat">
+      <a:schemeClr val="lt1"/>
+    </dgm:linClrLst>
+    <dgm:effectClrLst/>
+    <dgm:txLinClrLst/>
+    <dgm:txFillClrLst/>
+    <dgm:txEffectClrLst/>
+  </dgm:styleLbl>
+  <dgm:styleLbl name="asst2">
+    <dgm:fillClrLst meth="repeat">
+      <a:schemeClr val="accent1"/>
+    </dgm:fillClrLst>
+    <dgm:linClrLst meth="repeat">
+      <a:schemeClr val="lt1"/>
+    </dgm:linClrLst>
+    <dgm:effectClrLst/>
+    <dgm:txLinClrLst/>
+    <dgm:txFillClrLst/>
+    <dgm:txEffectClrLst/>
+  </dgm:styleLbl>
+  <dgm:styleLbl name="asst3">
+    <dgm:fillClrLst meth="repeat">
+      <a:schemeClr val="accent1"/>
+    </dgm:fillClrLst>
+    <dgm:linClrLst meth="repeat">
+      <a:schemeClr val="lt1"/>
+    </dgm:linClrLst>
+    <dgm:effectClrLst/>
+    <dgm:txLinClrLst/>
+    <dgm:txFillClrLst/>
+    <dgm:txEffectClrLst/>
+  </dgm:styleLbl>
+  <dgm:styleLbl name="asst4">
+    <dgm:fillClrLst meth="repeat">
+      <a:schemeClr val="accent1"/>
+    </dgm:fillClrLst>
+    <dgm:linClrLst meth="repeat">
+      <a:schemeClr val="lt1"/>
+    </dgm:linClrLst>
+    <dgm:effectClrLst/>
+    <dgm:txLinClrLst/>
+    <dgm:txFillClrLst/>
+    <dgm:txEffectClrLst/>
+  </dgm:styleLbl>
+  <dgm:styleLbl name="parChTrans2D1">
+    <dgm:fillClrLst meth="repeat">
+      <a:schemeClr val="accent1">
+        <a:tint val="60000"/>
+      </a:schemeClr>
+    </dgm:fillClrLst>
+    <dgm:linClrLst meth="repeat">
+      <a:schemeClr val="accent1">
+        <a:tint val="60000"/>
+      </a:schemeClr>
+    </dgm:linClrLst>
+    <dgm:effectClrLst/>
+    <dgm:txLinClrLst/>
+    <dgm:txFillClrLst meth="repeat">
+      <a:schemeClr val="lt1"/>
+    </dgm:txFillClrLst>
+    <dgm:txEffectClrLst/>
+  </dgm:styleLbl>
+  <dgm:styleLbl name="parChTrans2D2">
+    <dgm:fillClrLst meth="repeat">
+      <a:schemeClr val="accent1"/>
+    </dgm:fillClrLst>
+    <dgm:linClrLst meth="repeat">
+      <a:schemeClr val="accent1"/>
+    </dgm:linClrLst>
+    <dgm:effectClrLst/>
+    <dgm:txLinClrLst/>
+    <dgm:txFillClrLst meth="repeat">
+      <a:schemeClr val="lt1"/>
+    </dgm:txFillClrLst>
+    <dgm:txEffectClrLst/>
+  </dgm:styleLbl>
+  <dgm:styleLbl name="parChTrans2D3">
+    <dgm:fillClrLst meth="repeat">
+      <a:schemeClr val="accent1"/>
+    </dgm:fillClrLst>
+    <dgm:linClrLst meth="repeat">
+      <a:schemeClr val="accent1"/>
+    </dgm:linClrLst>
+    <dgm:effectClrLst/>
+    <dgm:txLinClrLst/>
+    <dgm:txFillClrLst meth="repeat">
+      <a:schemeClr val="lt1"/>
+    </dgm:txFillClrLst>
+    <dgm:txEffectClrLst/>
+  </dgm:styleLbl>
+  <dgm:styleLbl name="parChTrans2D4">
+    <dgm:fillClrLst meth="repeat">
+      <a:schemeClr val="accent1"/>
+    </dgm:fillClrLst>
+    <dgm:linClrLst meth="repeat">
+      <a:schemeClr val="accent1"/>
+    </dgm:linClrLst>
+    <dgm:effectClrLst/>
+    <dgm:txLinClrLst/>
+    <dgm:txFillClrLst meth="repeat">
+      <a:schemeClr val="lt1"/>
+    </dgm:txFillClrLst>
+    <dgm:txEffectClrLst/>
+  </dgm:styleLbl>
+  <dgm:styleLbl name="parChTrans1D1">
+    <dgm:fillClrLst meth="repeat">
+      <a:schemeClr val="accent1"/>
+    </dgm:fillClrLst>
+    <dgm:linClrLst meth="repeat">
+      <a:schemeClr val="accent1">
+        <a:shade val="60000"/>
+      </a:schemeClr>
+    </dgm:linClrLst>
+    <dgm:effectClrLst/>
+    <dgm:txLinClrLst/>
+    <dgm:txFillClrLst meth="repeat">
+      <a:schemeClr val="tx1"/>
+    </dgm:txFillClrLst>
+    <dgm:txEffectClrLst/>
+  </dgm:styleLbl>
+  <dgm:styleLbl name="parChTrans1D2">
+    <dgm:fillClrLst meth="repeat">
+      <a:schemeClr val="accent1"/>
+    </dgm:fillClrLst>
+    <dgm:linClrLst meth="repeat">
+      <a:schemeClr val="accent1">
+        <a:shade val="60000"/>
+      </a:schemeClr>
+    </dgm:linClrLst>
+    <dgm:effectClrLst/>
+    <dgm:txLinClrLst/>
+    <dgm:txFillClrLst meth="repeat">
+      <a:schemeClr val="tx1"/>
+    </dgm:txFillClrLst>
+    <dgm:txEffectClrLst/>
+  </dgm:styleLbl>
+  <dgm:styleLbl name="parChTrans1D3">
+    <dgm:fillClrLst meth="repeat">
+      <a:schemeClr val="accent1"/>
+    </dgm:fillClrLst>
+    <dgm:linClrLst meth="repeat">
+      <a:schemeClr val="accent1">
+        <a:shade val="80000"/>
+      </a:schemeClr>
+    </dgm:linClrLst>
+    <dgm:effectClrLst/>
+    <dgm:txLinClrLst/>
+    <dgm:txFillClrLst meth="repeat">
+      <a:schemeClr val="tx1"/>
+    </dgm:txFillClrLst>
+    <dgm:txEffectClrLst/>
+  </dgm:styleLbl>
+  <dgm:styleLbl name="parChTrans1D4">
+    <dgm:fillClrLst meth="repeat">
+      <a:schemeClr val="accent1"/>
+    </dgm:fillClrLst>
+    <dgm:linClrLst meth="repeat">
+      <a:schemeClr val="accent1">
+        <a:shade val="80000"/>
+      </a:schemeClr>
+    </dgm:linClrLst>
+    <dgm:effectClrLst/>
+    <dgm:txLinClrLst/>
+    <dgm:txFillClrLst meth="repeat">
+      <a:schemeClr val="tx1"/>
+    </dgm:txFillClrLst>
+    <dgm:txEffectClrLst/>
+  </dgm:styleLbl>
+  <dgm:styleLbl name="fgAcc1">
+    <dgm:fillClrLst meth="repeat">
+      <a:schemeClr val="lt1">
+        <a:alpha val="90000"/>
+      </a:schemeClr>
+    </dgm:fillClrLst>
+    <dgm:linClrLst meth="repeat">
+      <a:schemeClr val="accent1"/>
+    </dgm:linClrLst>
+    <dgm:effectClrLst/>
+    <dgm:txLinClrLst/>
+    <dgm:txFillClrLst meth="repeat">
+      <a:schemeClr val="dk1"/>
+    </dgm:txFillClrLst>
+    <dgm:txEffectClrLst/>
+  </dgm:styleLbl>
+  <dgm:styleLbl name="conFgAcc1">
+    <dgm:fillClrLst meth="repeat">
+      <a:schemeClr val="lt1">
+        <a:alpha val="90000"/>
+      </a:schemeClr>
+    </dgm:fillClrLst>
+    <dgm:linClrLst meth="repeat">
+      <a:schemeClr val="accent1"/>
+    </dgm:linClrLst>
+    <dgm:effectClrLst/>
+    <dgm:txLinClrLst/>
+    <dgm:txFillClrLst meth="repeat">
+      <a:schemeClr val="dk1"/>
+    </dgm:txFillClrLst>
+    <dgm:txEffectClrLst/>
+  </dgm:styleLbl>
+  <dgm:styleLbl name="alignAcc1">
+    <dgm:fillClrLst meth="repeat">
+      <a:schemeClr val="lt1">
+        <a:alpha val="90000"/>
+      </a:schemeClr>
+    </dgm:fillClrLst>
+    <dgm:linClrLst meth="repeat">
+      <a:schemeClr val="accent1"/>
+    </dgm:linClrLst>
+    <dgm:effectClrLst/>
+    <dgm:txLinClrLst/>
+    <dgm:txFillClrLst meth="repeat">
+      <a:schemeClr val="dk1"/>
+    </dgm:txFillClrLst>
+    <dgm:txEffectClrLst/>
+  </dgm:styleLbl>
+  <dgm:styleLbl name="trAlignAcc1">
+    <dgm:fillClrLst meth="repeat">
+      <a:schemeClr val="lt1">
+        <a:alpha val="40000"/>
+      </a:schemeClr>
+    </dgm:fillClrLst>
+    <dgm:linClrLst meth="repeat">
+      <a:schemeClr val="accent1"/>
+    </dgm:linClrLst>
+    <dgm:effectClrLst/>
+    <dgm:txLinClrLst/>
+    <dgm:txFillClrLst meth="repeat">
+      <a:schemeClr val="dk1"/>
+    </dgm:txFillClrLst>
+    <dgm:txEffectClrLst/>
+  </dgm:styleLbl>
+  <dgm:styleLbl name="bgAcc1">
+    <dgm:fillClrLst meth="repeat">
+      <a:schemeClr val="lt1">
+        <a:alpha val="90000"/>
+      </a:schemeClr>
+    </dgm:fillClrLst>
+    <dgm:linClrLst meth="repeat">
+      <a:schemeClr val="accent1"/>
+    </dgm:linClrLst>
+    <dgm:effectClrLst/>
+    <dgm:txLinClrLst/>
+    <dgm:txFillClrLst meth="repeat">
+      <a:schemeClr val="dk1"/>
+    </dgm:txFillClrLst>
+    <dgm:txEffectClrLst/>
+  </dgm:styleLbl>
+  <dgm:styleLbl name="solidFgAcc1">
+    <dgm:fillClrLst meth="repeat">
+      <a:schemeClr val="lt1"/>
+    </dgm:fillClrLst>
+    <dgm:linClrLst meth="repeat">
+      <a:schemeClr val="accent1"/>
+    </dgm:linClrLst>
+    <dgm:effectClrLst/>
+    <dgm:txLinClrLst/>
+    <dgm:txFillClrLst meth="repeat">
+      <a:schemeClr val="dk1"/>
+    </dgm:txFillClrLst>
+    <dgm:txEffectClrLst/>
+  </dgm:styleLbl>
+  <dgm:styleLbl name="solidAlignAcc1">
+    <dgm:fillClrLst meth="repeat">
+      <a:schemeClr val="lt1"/>
+    </dgm:fillClrLst>
+    <dgm:linClrLst meth="repeat">
+      <a:schemeClr val="accent1"/>
+    </dgm:linClrLst>
+    <dgm:effectClrLst/>
+    <dgm:txLinClrLst/>
+    <dgm:txFillClrLst meth="repeat">
+      <a:schemeClr val="dk1"/>
+    </dgm:txFillClrLst>
+    <dgm:txEffectClrLst/>
+  </dgm:styleLbl>
+  <dgm:styleLbl name="solidBgAcc1">
+    <dgm:fillClrLst meth="repeat">
+      <a:schemeClr val="lt1"/>
+    </dgm:fillClrLst>
+    <dgm:linClrLst meth="repeat">
+      <a:schemeClr val="accent1"/>
+    </dgm:linClrLst>
+    <dgm:effectClrLst/>
+    <dgm:txLinClrLst/>
+    <dgm:txFillClrLst meth="repeat">
+      <a:schemeClr val="dk1"/>
+    </dgm:txFillClrLst>
+    <dgm:txEffectClrLst/>
+  </dgm:styleLbl>
+  <dgm:styleLbl name="fgAccFollowNode1">
+    <dgm:fillClrLst meth="repeat">
+      <a:schemeClr val="accent1">
+        <a:alpha val="90000"/>
+        <a:tint val="40000"/>
+      </a:schemeClr>
+    </dgm:fillClrLst>
+    <dgm:linClrLst meth="repeat">
+      <a:schemeClr val="accent1">
+        <a:alpha val="90000"/>
+        <a:tint val="40000"/>
+      </a:schemeClr>
+    </dgm:linClrLst>
+    <dgm:effectClrLst/>
+    <dgm:txLinClrLst/>
+    <dgm:txFillClrLst meth="repeat">
+      <a:schemeClr val="dk1"/>
+    </dgm:txFillClrLst>
+    <dgm:txEffectClrLst/>
+  </dgm:styleLbl>
+  <dgm:styleLbl name="alignAccFollowNode1">
+    <dgm:fillClrLst meth="repeat">
+      <a:schemeClr val="accent1">
+        <a:alpha val="90000"/>
+        <a:tint val="40000"/>
+      </a:schemeClr>
+    </dgm:fillClrLst>
+    <dgm:linClrLst meth="repeat">
+      <a:schemeClr val="accent1">
+        <a:alpha val="90000"/>
+        <a:tint val="40000"/>
+      </a:schemeClr>
+    </dgm:linClrLst>
+    <dgm:effectClrLst/>
+    <dgm:txLinClrLst/>
+    <dgm:txFillClrLst meth="repeat">
+      <a:schemeClr val="dk1"/>
+    </dgm:txFillClrLst>
+    <dgm:txEffectClrLst/>
+  </dgm:styleLbl>
+  <dgm:styleLbl name="bgAccFollowNode1">
+    <dgm:fillClrLst meth="repeat">
+      <a:schemeClr val="accent1">
+        <a:alpha val="90000"/>
+        <a:tint val="40000"/>
+      </a:schemeClr>
+    </dgm:fillClrLst>
+    <dgm:linClrLst meth="repeat">
+      <a:schemeClr val="accent1">
+        <a:alpha val="90000"/>
+        <a:tint val="40000"/>
+      </a:schemeClr>
+    </dgm:linClrLst>
+    <dgm:effectClrLst/>
+    <dgm:txLinClrLst/>
+    <dgm:txFillClrLst meth="repeat">
+      <a:schemeClr val="dk1"/>
+    </dgm:txFillClrLst>
+    <dgm:txEffectClrLst/>
+  </dgm:styleLbl>
+  <dgm:styleLbl name="fgAcc0">
+    <dgm:fillClrLst meth="repeat">
+      <a:schemeClr val="lt1">
+        <a:alpha val="90000"/>
+      </a:schemeClr>
+    </dgm:fillClrLst>
+    <dgm:linClrLst meth="repeat">
+      <a:schemeClr val="accent1"/>
+    </dgm:linClrLst>
+    <dgm:effectClrLst/>
+    <dgm:txLinClrLst/>
+    <dgm:txFillClrLst meth="repeat">
+      <a:schemeClr val="dk1"/>
+    </dgm:txFillClrLst>
+    <dgm:txEffectClrLst/>
+  </dgm:styleLbl>
+  <dgm:styleLbl name="fgAcc2">
+    <dgm:fillClrLst meth="repeat">
+      <a:schemeClr val="lt1">
+        <a:alpha val="90000"/>
+      </a:schemeClr>
+    </dgm:fillClrLst>
+    <dgm:linClrLst meth="repeat">
+      <a:schemeClr val="accent1"/>
+    </dgm:linClrLst>
+    <dgm:effectClrLst/>
+    <dgm:txLinClrLst/>
+    <dgm:txFillClrLst meth="repeat">
+      <a:schemeClr val="dk1"/>
+    </dgm:txFillClrLst>
+    <dgm:txEffectClrLst/>
+  </dgm:styleLbl>
+  <dgm:styleLbl name="fgAcc3">
+    <dgm:fillClrLst meth="repeat">
+      <a:schemeClr val="lt1">
+        <a:alpha val="90000"/>
+      </a:schemeClr>
+    </dgm:fillClrLst>
+    <dgm:linClrLst meth="repeat">
+      <a:schemeClr val="accent1"/>
+    </dgm:linClrLst>
+    <dgm:effectClrLst/>
+    <dgm:txLinClrLst/>
+    <dgm:txFillClrLst meth="repeat">
+      <a:schemeClr val="dk1"/>
+    </dgm:txFillClrLst>
+    <dgm:txEffectClrLst/>
+  </dgm:styleLbl>
+  <dgm:styleLbl name="fgAcc4">
+    <dgm:fillClrLst meth="repeat">
+      <a:schemeClr val="lt1">
+        <a:alpha val="90000"/>
+      </a:schemeClr>
+    </dgm:fillClrLst>
+    <dgm:linClrLst meth="repeat">
+      <a:schemeClr val="accent1"/>
+    </dgm:linClrLst>
+    <dgm:effectClrLst/>
+    <dgm:txLinClrLst/>
+    <dgm:txFillClrLst meth="repeat">
+      <a:schemeClr val="dk1"/>
+    </dgm:txFillClrLst>
+    <dgm:txEffectClrLst/>
+  </dgm:styleLbl>
+  <dgm:styleLbl name="bgShp">
+    <dgm:fillClrLst meth="repeat">
+      <a:schemeClr val="accent1">
+        <a:tint val="40000"/>
+      </a:schemeClr>
+    </dgm:fillClrLst>
+    <dgm:linClrLst meth="repeat">
+      <a:schemeClr val="accent1"/>
+    </dgm:linClrLst>
+    <dgm:effectClrLst/>
+    <dgm:txLinClrLst/>
+    <dgm:txFillClrLst meth="repeat">
+      <a:schemeClr val="dk1"/>
+    </dgm:txFillClrLst>
+    <dgm:txEffectClrLst/>
+  </dgm:styleLbl>
+  <dgm:styleLbl name="dkBgShp">
+    <dgm:fillClrLst meth="repeat">
+      <a:schemeClr val="accent1">
+        <a:shade val="80000"/>
+      </a:schemeClr>
+    </dgm:fillClrLst>
+    <dgm:linClrLst meth="repeat">
+      <a:schemeClr val="accent1"/>
+    </dgm:linClrLst>
+    <dgm:effectClrLst/>
+    <dgm:txLinClrLst/>
+    <dgm:txFillClrLst meth="repeat">
+      <a:schemeClr val="lt1"/>
+    </dgm:txFillClrLst>
+    <dgm:txEffectClrLst/>
+  </dgm:styleLbl>
+  <dgm:styleLbl name="trBgShp">
+    <dgm:fillClrLst meth="repeat">
+      <a:schemeClr val="accent1">
+        <a:tint val="50000"/>
+        <a:alpha val="40000"/>
+      </a:schemeClr>
+    </dgm:fillClrLst>
+    <dgm:linClrLst meth="repeat">
+      <a:schemeClr val="accent1"/>
+    </dgm:linClrLst>
+    <dgm:effectClrLst/>
+    <dgm:txLinClrLst/>
+    <dgm:txFillClrLst meth="repeat">
+      <a:schemeClr val="lt1"/>
+    </dgm:txFillClrLst>
+    <dgm:txEffectClrLst/>
+  </dgm:styleLbl>
+  <dgm:styleLbl name="fgShp">
+    <dgm:fillClrLst meth="repeat">
+      <a:schemeClr val="accent1">
+        <a:tint val="60000"/>
+      </a:schemeClr>
+    </dgm:fillClrLst>
+    <dgm:linClrLst meth="repeat">
+      <a:schemeClr val="lt1"/>
+    </dgm:linClrLst>
+    <dgm:effectClrLst/>
+    <dgm:txLinClrLst/>
+    <dgm:txFillClrLst meth="repeat">
+      <a:schemeClr val="dk1"/>
+    </dgm:txFillClrLst>
+    <dgm:txEffectClrLst/>
+  </dgm:styleLbl>
+  <dgm:styleLbl name="revTx">
+    <dgm:fillClrLst meth="repeat">
+      <a:schemeClr val="lt1">
+        <a:alpha val="0"/>
+      </a:schemeClr>
+    </dgm:fillClrLst>
+    <dgm:linClrLst meth="repeat">
+      <a:schemeClr val="dk1">
+        <a:alpha val="0"/>
+      </a:schemeClr>
+    </dgm:linClrLst>
+    <dgm:effectClrLst/>
+    <dgm:txLinClrLst/>
+    <dgm:txFillClrLst meth="repeat">
+      <a:schemeClr val="tx1"/>
+    </dgm:txFillClrLst>
+    <dgm:txEffectClrLst/>
+  </dgm:styleLbl>
+</dgm:colorsDef>
+</file>
+
+<file path=ppt/diagrams/colors3.xml><?xml version="1.0" encoding="utf-8"?>
 <dgm:colorsDef xmlns:dgm="http://schemas.openxmlformats.org/drawingml/2006/diagram" xmlns:a="http://schemas.openxmlformats.org/drawingml/2006/main" uniqueId="urn:microsoft.com/office/officeart/2005/8/colors/accent1_2">
   <dgm:title val=""/>
   <dgm:desc val=""/>
@@ -2207,6 +2956,294 @@
     </dgm:pt>
     <dgm:pt modelId="{7CDF350E-3FAC-4D6A-8E57-CD6CB7A5C1D3}" type="pres">
       <dgm:prSet presAssocID="{2945AA6D-928B-4984-BBBA-930AF34D3016}" presName="node" presStyleLbl="node1" presStyleIdx="1" presStyleCnt="4">
+        <dgm:presLayoutVars>
+          <dgm:bulletEnabled val="1"/>
+        </dgm:presLayoutVars>
+      </dgm:prSet>
+      <dgm:spPr/>
+    </dgm:pt>
+    <dgm:pt modelId="{5C5D17E2-7442-4423-9E33-D30224CD2161}" type="pres">
+      <dgm:prSet presAssocID="{E1D55293-EF3B-4C0D-AB8C-6D43E3186B8D}" presName="sibTrans" presStyleLbl="sibTrans2D1" presStyleIdx="1" presStyleCnt="3"/>
+      <dgm:spPr/>
+    </dgm:pt>
+    <dgm:pt modelId="{1423CCFB-E89F-40E0-9ABC-AB74F7AF4BA4}" type="pres">
+      <dgm:prSet presAssocID="{E1D55293-EF3B-4C0D-AB8C-6D43E3186B8D}" presName="connectorText" presStyleLbl="sibTrans2D1" presStyleIdx="1" presStyleCnt="3"/>
+      <dgm:spPr/>
+    </dgm:pt>
+    <dgm:pt modelId="{04D477CD-F208-4367-AF01-D4DE0B3DDA8D}" type="pres">
+      <dgm:prSet presAssocID="{321A9922-112B-4268-9C26-FAD0AD8CB1A3}" presName="node" presStyleLbl="node1" presStyleIdx="2" presStyleCnt="4">
+        <dgm:presLayoutVars>
+          <dgm:bulletEnabled val="1"/>
+        </dgm:presLayoutVars>
+      </dgm:prSet>
+      <dgm:spPr/>
+    </dgm:pt>
+    <dgm:pt modelId="{953B5824-5C53-468A-B32E-970E576C509F}" type="pres">
+      <dgm:prSet presAssocID="{19069456-F04A-4BD0-A10C-A13B1E166098}" presName="sibTrans" presStyleLbl="sibTrans2D1" presStyleIdx="2" presStyleCnt="3"/>
+      <dgm:spPr/>
+    </dgm:pt>
+    <dgm:pt modelId="{4E786B15-F412-4063-AE59-43145A3CF520}" type="pres">
+      <dgm:prSet presAssocID="{19069456-F04A-4BD0-A10C-A13B1E166098}" presName="connectorText" presStyleLbl="sibTrans2D1" presStyleIdx="2" presStyleCnt="3"/>
+      <dgm:spPr/>
+    </dgm:pt>
+    <dgm:pt modelId="{64194EF6-CFB7-43A7-8DB1-4FC3F2E93A72}" type="pres">
+      <dgm:prSet presAssocID="{292A7811-6A56-4F59-A88E-D787636631F4}" presName="node" presStyleLbl="node1" presStyleIdx="3" presStyleCnt="4">
+        <dgm:presLayoutVars>
+          <dgm:bulletEnabled val="1"/>
+        </dgm:presLayoutVars>
+      </dgm:prSet>
+      <dgm:spPr/>
+    </dgm:pt>
+  </dgm:ptLst>
+  <dgm:cxnLst>
+    <dgm:cxn modelId="{170B3916-FBAD-41E0-94CB-C07B2100C476}" type="presOf" srcId="{E1D55293-EF3B-4C0D-AB8C-6D43E3186B8D}" destId="{5C5D17E2-7442-4423-9E33-D30224CD2161}" srcOrd="0" destOrd="0" presId="urn:microsoft.com/office/officeart/2005/8/layout/process1"/>
+    <dgm:cxn modelId="{936E6B24-F738-4A85-A714-EFBFB4272572}" type="presOf" srcId="{321A9922-112B-4268-9C26-FAD0AD8CB1A3}" destId="{04D477CD-F208-4367-AF01-D4DE0B3DDA8D}" srcOrd="0" destOrd="0" presId="urn:microsoft.com/office/officeart/2005/8/layout/process1"/>
+    <dgm:cxn modelId="{1F049E3E-3AB4-4491-88BB-8F7D0A6FDDC3}" type="presOf" srcId="{E1D55293-EF3B-4C0D-AB8C-6D43E3186B8D}" destId="{1423CCFB-E89F-40E0-9ABC-AB74F7AF4BA4}" srcOrd="1" destOrd="0" presId="urn:microsoft.com/office/officeart/2005/8/layout/process1"/>
+    <dgm:cxn modelId="{A86AC063-4615-4489-A60D-E79ABDC19064}" type="presOf" srcId="{67DFBF81-05E1-45F4-9248-13E2841B567F}" destId="{701DEF55-9EDC-4378-AB7C-BA81DCC1CBB0}" srcOrd="0" destOrd="0" presId="urn:microsoft.com/office/officeart/2005/8/layout/process1"/>
+    <dgm:cxn modelId="{C751FF68-B942-4E00-9CF2-7D30F6D8DF71}" type="presOf" srcId="{C7E5CE23-C7D2-4B52-A299-EF0409987F07}" destId="{3CDEB0B1-9F04-41A5-9625-FD60088E7FB1}" srcOrd="0" destOrd="0" presId="urn:microsoft.com/office/officeart/2005/8/layout/process1"/>
+    <dgm:cxn modelId="{F6028D6F-03E6-4281-819C-DED0A4B01F96}" type="presOf" srcId="{292A7811-6A56-4F59-A88E-D787636631F4}" destId="{64194EF6-CFB7-43A7-8DB1-4FC3F2E93A72}" srcOrd="0" destOrd="0" presId="urn:microsoft.com/office/officeart/2005/8/layout/process1"/>
+    <dgm:cxn modelId="{05388958-33C4-4AA4-92C0-E5231E6DE14F}" srcId="{67DFBF81-05E1-45F4-9248-13E2841B567F}" destId="{2945AA6D-928B-4984-BBBA-930AF34D3016}" srcOrd="1" destOrd="0" parTransId="{E0521999-8720-46D7-B0ED-AB9B0476C9B9}" sibTransId="{E1D55293-EF3B-4C0D-AB8C-6D43E3186B8D}"/>
+    <dgm:cxn modelId="{47C4BC80-7DA0-4D00-990D-1878A1AC6629}" type="presOf" srcId="{19069456-F04A-4BD0-A10C-A13B1E166098}" destId="{953B5824-5C53-468A-B32E-970E576C509F}" srcOrd="0" destOrd="0" presId="urn:microsoft.com/office/officeart/2005/8/layout/process1"/>
+    <dgm:cxn modelId="{4A44A3A2-E934-42E8-8333-8A8820DA4731}" type="presOf" srcId="{F291DE02-0020-41EE-B937-A7DC825F0708}" destId="{C6FA14FD-BA59-4A98-92AA-E28D711375E6}" srcOrd="1" destOrd="0" presId="urn:microsoft.com/office/officeart/2005/8/layout/process1"/>
+    <dgm:cxn modelId="{840303A3-C12E-4CF2-8898-BFDA7D227178}" type="presOf" srcId="{19069456-F04A-4BD0-A10C-A13B1E166098}" destId="{4E786B15-F412-4063-AE59-43145A3CF520}" srcOrd="1" destOrd="0" presId="urn:microsoft.com/office/officeart/2005/8/layout/process1"/>
+    <dgm:cxn modelId="{E8C5EDC1-8C59-49FA-8699-CD0147D38DBF}" type="presOf" srcId="{2945AA6D-928B-4984-BBBA-930AF34D3016}" destId="{7CDF350E-3FAC-4D6A-8E57-CD6CB7A5C1D3}" srcOrd="0" destOrd="0" presId="urn:microsoft.com/office/officeart/2005/8/layout/process1"/>
+    <dgm:cxn modelId="{0FB6B0CF-0EFD-42B5-893A-3990008EBA44}" srcId="{67DFBF81-05E1-45F4-9248-13E2841B567F}" destId="{321A9922-112B-4268-9C26-FAD0AD8CB1A3}" srcOrd="2" destOrd="0" parTransId="{CC17FCC5-6DC5-40F4-B034-5321882A0536}" sibTransId="{19069456-F04A-4BD0-A10C-A13B1E166098}"/>
+    <dgm:cxn modelId="{E4685FD8-24D4-4B54-B548-5662C2353237}" srcId="{67DFBF81-05E1-45F4-9248-13E2841B567F}" destId="{292A7811-6A56-4F59-A88E-D787636631F4}" srcOrd="3" destOrd="0" parTransId="{5823C2B2-8701-4F52-B00D-27E38648CD68}" sibTransId="{A9CC7A3A-CD8B-4572-A6E6-B80B2980787E}"/>
+    <dgm:cxn modelId="{40D257F5-0418-4E3F-AFB1-824CA3379169}" srcId="{67DFBF81-05E1-45F4-9248-13E2841B567F}" destId="{C7E5CE23-C7D2-4B52-A299-EF0409987F07}" srcOrd="0" destOrd="0" parTransId="{F565C2F8-F52C-4701-8D71-F0CBFDC03B44}" sibTransId="{F291DE02-0020-41EE-B937-A7DC825F0708}"/>
+    <dgm:cxn modelId="{CCD946FC-78E3-46F4-99D0-7C8E52BB2595}" type="presOf" srcId="{F291DE02-0020-41EE-B937-A7DC825F0708}" destId="{905D3F63-75CA-4056-AF8B-78330F7AAF90}" srcOrd="0" destOrd="0" presId="urn:microsoft.com/office/officeart/2005/8/layout/process1"/>
+    <dgm:cxn modelId="{88318A96-6A0F-43CE-957A-D3EE09B43AD2}" type="presParOf" srcId="{701DEF55-9EDC-4378-AB7C-BA81DCC1CBB0}" destId="{3CDEB0B1-9F04-41A5-9625-FD60088E7FB1}" srcOrd="0" destOrd="0" presId="urn:microsoft.com/office/officeart/2005/8/layout/process1"/>
+    <dgm:cxn modelId="{481D2001-B2EA-40EE-90C7-251AAEBC13BD}" type="presParOf" srcId="{701DEF55-9EDC-4378-AB7C-BA81DCC1CBB0}" destId="{905D3F63-75CA-4056-AF8B-78330F7AAF90}" srcOrd="1" destOrd="0" presId="urn:microsoft.com/office/officeart/2005/8/layout/process1"/>
+    <dgm:cxn modelId="{A609F373-D19B-45AB-A433-EAC6A245BDE5}" type="presParOf" srcId="{905D3F63-75CA-4056-AF8B-78330F7AAF90}" destId="{C6FA14FD-BA59-4A98-92AA-E28D711375E6}" srcOrd="0" destOrd="0" presId="urn:microsoft.com/office/officeart/2005/8/layout/process1"/>
+    <dgm:cxn modelId="{B875A7D8-3FA1-4C94-804F-963080AE8549}" type="presParOf" srcId="{701DEF55-9EDC-4378-AB7C-BA81DCC1CBB0}" destId="{7CDF350E-3FAC-4D6A-8E57-CD6CB7A5C1D3}" srcOrd="2" destOrd="0" presId="urn:microsoft.com/office/officeart/2005/8/layout/process1"/>
+    <dgm:cxn modelId="{DD7094E8-C894-4352-97AF-B550617F3796}" type="presParOf" srcId="{701DEF55-9EDC-4378-AB7C-BA81DCC1CBB0}" destId="{5C5D17E2-7442-4423-9E33-D30224CD2161}" srcOrd="3" destOrd="0" presId="urn:microsoft.com/office/officeart/2005/8/layout/process1"/>
+    <dgm:cxn modelId="{11E06EFE-ADEE-420C-94E8-CF2B29764A72}" type="presParOf" srcId="{5C5D17E2-7442-4423-9E33-D30224CD2161}" destId="{1423CCFB-E89F-40E0-9ABC-AB74F7AF4BA4}" srcOrd="0" destOrd="0" presId="urn:microsoft.com/office/officeart/2005/8/layout/process1"/>
+    <dgm:cxn modelId="{210102F9-4009-4226-8049-FDCCA802CC05}" type="presParOf" srcId="{701DEF55-9EDC-4378-AB7C-BA81DCC1CBB0}" destId="{04D477CD-F208-4367-AF01-D4DE0B3DDA8D}" srcOrd="4" destOrd="0" presId="urn:microsoft.com/office/officeart/2005/8/layout/process1"/>
+    <dgm:cxn modelId="{0EC216BC-EFBF-43E0-8A7B-B9CDBEADAAD6}" type="presParOf" srcId="{701DEF55-9EDC-4378-AB7C-BA81DCC1CBB0}" destId="{953B5824-5C53-468A-B32E-970E576C509F}" srcOrd="5" destOrd="0" presId="urn:microsoft.com/office/officeart/2005/8/layout/process1"/>
+    <dgm:cxn modelId="{FAB029B3-00EA-404B-89BB-48BDD0C79E51}" type="presParOf" srcId="{953B5824-5C53-468A-B32E-970E576C509F}" destId="{4E786B15-F412-4063-AE59-43145A3CF520}" srcOrd="0" destOrd="0" presId="urn:microsoft.com/office/officeart/2005/8/layout/process1"/>
+    <dgm:cxn modelId="{54576310-0FCC-428F-A68E-173E67E932C1}" type="presParOf" srcId="{701DEF55-9EDC-4378-AB7C-BA81DCC1CBB0}" destId="{64194EF6-CFB7-43A7-8DB1-4FC3F2E93A72}" srcOrd="6" destOrd="0" presId="urn:microsoft.com/office/officeart/2005/8/layout/process1"/>
+  </dgm:cxnLst>
+  <dgm:bg/>
+  <dgm:whole/>
+  <dgm:extLst>
+    <a:ext uri="http://schemas.microsoft.com/office/drawing/2008/diagram">
+      <dsp:dataModelExt xmlns:dsp="http://schemas.microsoft.com/office/drawing/2008/diagram" relId="rId6" minVer="http://schemas.openxmlformats.org/drawingml/2006/diagram"/>
+    </a:ext>
+  </dgm:extLst>
+</dgm:dataModel>
+</file>
+
+<file path=ppt/diagrams/data3.xml><?xml version="1.0" encoding="utf-8"?>
+<dgm:dataModel xmlns:dgm="http://schemas.openxmlformats.org/drawingml/2006/diagram" xmlns:a="http://schemas.openxmlformats.org/drawingml/2006/main">
+  <dgm:ptLst>
+    <dgm:pt modelId="{67DFBF81-05E1-45F4-9248-13E2841B567F}" type="doc">
+      <dgm:prSet loTypeId="urn:microsoft.com/office/officeart/2005/8/layout/process1" loCatId="process" qsTypeId="urn:microsoft.com/office/officeart/2005/8/quickstyle/simple1" qsCatId="simple" csTypeId="urn:microsoft.com/office/officeart/2005/8/colors/accent1_2" csCatId="accent1" phldr="1"/>
+      <dgm:spPr/>
+    </dgm:pt>
+    <dgm:pt modelId="{C7E5CE23-C7D2-4B52-A299-EF0409987F07}">
+      <dgm:prSet phldrT="[Text]"/>
+      <dgm:spPr/>
+      <dgm:t>
+        <a:bodyPr/>
+        <a:lstStyle/>
+        <a:p>
+          <a:r>
+            <a:rPr lang="en-MY" dirty="0"/>
+            <a:t>Trigger </a:t>
+          </a:r>
+          <a:r>
+            <a:rPr lang="en-MY" dirty="0" err="1"/>
+            <a:t>face_recognition</a:t>
+          </a:r>
+          <a:r>
+            <a:rPr lang="en-MY" dirty="0"/>
+            <a:t> agent using </a:t>
+          </a:r>
+          <a:r>
+            <a:rPr lang="en-MY" dirty="0" err="1"/>
+            <a:t>UIPath</a:t>
+          </a:r>
+          <a:endParaRPr lang="en-MY" dirty="0"/>
+        </a:p>
+      </dgm:t>
+    </dgm:pt>
+    <dgm:pt modelId="{F565C2F8-F52C-4701-8D71-F0CBFDC03B44}" type="parTrans" cxnId="{40D257F5-0418-4E3F-AFB1-824CA3379169}">
+      <dgm:prSet/>
+      <dgm:spPr/>
+      <dgm:t>
+        <a:bodyPr/>
+        <a:lstStyle/>
+        <a:p>
+          <a:endParaRPr lang="en-MY"/>
+        </a:p>
+      </dgm:t>
+    </dgm:pt>
+    <dgm:pt modelId="{F291DE02-0020-41EE-B937-A7DC825F0708}" type="sibTrans" cxnId="{40D257F5-0418-4E3F-AFB1-824CA3379169}">
+      <dgm:prSet/>
+      <dgm:spPr/>
+      <dgm:t>
+        <a:bodyPr/>
+        <a:lstStyle/>
+        <a:p>
+          <a:endParaRPr lang="en-MY"/>
+        </a:p>
+      </dgm:t>
+    </dgm:pt>
+    <dgm:pt modelId="{2945AA6D-928B-4984-BBBA-930AF34D3016}">
+      <dgm:prSet phldrT="[Text]"/>
+      <dgm:spPr/>
+      <dgm:t>
+        <a:bodyPr/>
+        <a:lstStyle/>
+        <a:p>
+          <a:r>
+            <a:rPr lang="en-MY" dirty="0"/>
+            <a:t>Trigger temperature taking agent using </a:t>
+          </a:r>
+          <a:r>
+            <a:rPr lang="en-MY" dirty="0" err="1"/>
+            <a:t>UIPath</a:t>
+          </a:r>
+          <a:endParaRPr lang="en-MY" dirty="0"/>
+        </a:p>
+      </dgm:t>
+    </dgm:pt>
+    <dgm:pt modelId="{E0521999-8720-46D7-B0ED-AB9B0476C9B9}" type="parTrans" cxnId="{05388958-33C4-4AA4-92C0-E5231E6DE14F}">
+      <dgm:prSet/>
+      <dgm:spPr/>
+      <dgm:t>
+        <a:bodyPr/>
+        <a:lstStyle/>
+        <a:p>
+          <a:endParaRPr lang="en-MY"/>
+        </a:p>
+      </dgm:t>
+    </dgm:pt>
+    <dgm:pt modelId="{E1D55293-EF3B-4C0D-AB8C-6D43E3186B8D}" type="sibTrans" cxnId="{05388958-33C4-4AA4-92C0-E5231E6DE14F}">
+      <dgm:prSet/>
+      <dgm:spPr/>
+      <dgm:t>
+        <a:bodyPr/>
+        <a:lstStyle/>
+        <a:p>
+          <a:endParaRPr lang="en-MY"/>
+        </a:p>
+      </dgm:t>
+    </dgm:pt>
+    <dgm:pt modelId="{321A9922-112B-4268-9C26-FAD0AD8CB1A3}">
+      <dgm:prSet phldrT="[Text]"/>
+      <dgm:spPr/>
+      <dgm:t>
+        <a:bodyPr/>
+        <a:lstStyle/>
+        <a:p>
+          <a:r>
+            <a:rPr lang="en-MY" dirty="0" err="1"/>
+            <a:t>UIPath</a:t>
+          </a:r>
+          <a:r>
+            <a:rPr lang="en-MY" dirty="0"/>
+            <a:t> RPA observes changes from the alert.csv that records changes in temperature</a:t>
+          </a:r>
+        </a:p>
+      </dgm:t>
+    </dgm:pt>
+    <dgm:pt modelId="{CC17FCC5-6DC5-40F4-B034-5321882A0536}" type="parTrans" cxnId="{0FB6B0CF-0EFD-42B5-893A-3990008EBA44}">
+      <dgm:prSet/>
+      <dgm:spPr/>
+      <dgm:t>
+        <a:bodyPr/>
+        <a:lstStyle/>
+        <a:p>
+          <a:endParaRPr lang="en-MY"/>
+        </a:p>
+      </dgm:t>
+    </dgm:pt>
+    <dgm:pt modelId="{19069456-F04A-4BD0-A10C-A13B1E166098}" type="sibTrans" cxnId="{0FB6B0CF-0EFD-42B5-893A-3990008EBA44}">
+      <dgm:prSet/>
+      <dgm:spPr/>
+      <dgm:t>
+        <a:bodyPr/>
+        <a:lstStyle/>
+        <a:p>
+          <a:endParaRPr lang="en-MY"/>
+        </a:p>
+      </dgm:t>
+    </dgm:pt>
+    <dgm:pt modelId="{292A7811-6A56-4F59-A88E-D787636631F4}">
+      <dgm:prSet/>
+      <dgm:spPr/>
+      <dgm:t>
+        <a:bodyPr/>
+        <a:lstStyle/>
+        <a:p>
+          <a:r>
+            <a:rPr lang="en-MY" dirty="0" err="1"/>
+            <a:t>UIPath</a:t>
+          </a:r>
+          <a:r>
+            <a:rPr lang="en-MY" dirty="0"/>
+            <a:t> RPA sends email if the </a:t>
+          </a:r>
+          <a:r>
+            <a:rPr lang="en-MY" dirty="0" err="1"/>
+            <a:t>vistor</a:t>
+          </a:r>
+          <a:r>
+            <a:rPr lang="en-MY" dirty="0"/>
+            <a:t> is having temperature or blacklisted</a:t>
+          </a:r>
+        </a:p>
+      </dgm:t>
+    </dgm:pt>
+    <dgm:pt modelId="{5823C2B2-8701-4F52-B00D-27E38648CD68}" type="parTrans" cxnId="{E4685FD8-24D4-4B54-B548-5662C2353237}">
+      <dgm:prSet/>
+      <dgm:spPr/>
+      <dgm:t>
+        <a:bodyPr/>
+        <a:lstStyle/>
+        <a:p>
+          <a:endParaRPr lang="en-MY"/>
+        </a:p>
+      </dgm:t>
+    </dgm:pt>
+    <dgm:pt modelId="{A9CC7A3A-CD8B-4572-A6E6-B80B2980787E}" type="sibTrans" cxnId="{E4685FD8-24D4-4B54-B548-5662C2353237}">
+      <dgm:prSet/>
+      <dgm:spPr/>
+      <dgm:t>
+        <a:bodyPr/>
+        <a:lstStyle/>
+        <a:p>
+          <a:endParaRPr lang="en-MY"/>
+        </a:p>
+      </dgm:t>
+    </dgm:pt>
+    <dgm:pt modelId="{701DEF55-9EDC-4378-AB7C-BA81DCC1CBB0}" type="pres">
+      <dgm:prSet presAssocID="{67DFBF81-05E1-45F4-9248-13E2841B567F}" presName="Name0" presStyleCnt="0">
+        <dgm:presLayoutVars>
+          <dgm:dir/>
+          <dgm:resizeHandles val="exact"/>
+        </dgm:presLayoutVars>
+      </dgm:prSet>
+      <dgm:spPr/>
+    </dgm:pt>
+    <dgm:pt modelId="{3CDEB0B1-9F04-41A5-9625-FD60088E7FB1}" type="pres">
+      <dgm:prSet presAssocID="{C7E5CE23-C7D2-4B52-A299-EF0409987F07}" presName="node" presStyleLbl="node1" presStyleIdx="0" presStyleCnt="4">
+        <dgm:presLayoutVars>
+          <dgm:bulletEnabled val="1"/>
+        </dgm:presLayoutVars>
+      </dgm:prSet>
+      <dgm:spPr/>
+    </dgm:pt>
+    <dgm:pt modelId="{905D3F63-75CA-4056-AF8B-78330F7AAF90}" type="pres">
+      <dgm:prSet presAssocID="{F291DE02-0020-41EE-B937-A7DC825F0708}" presName="sibTrans" presStyleLbl="sibTrans2D1" presStyleIdx="0" presStyleCnt="3"/>
+      <dgm:spPr/>
+    </dgm:pt>
+    <dgm:pt modelId="{C6FA14FD-BA59-4A98-92AA-E28D711375E6}" type="pres">
+      <dgm:prSet presAssocID="{F291DE02-0020-41EE-B937-A7DC825F0708}" presName="connectorText" presStyleLbl="sibTrans2D1" presStyleIdx="0" presStyleCnt="3"/>
+      <dgm:spPr/>
+    </dgm:pt>
+    <dgm:pt modelId="{7CDF350E-3FAC-4D6A-8E57-CD6CB7A5C1D3}" type="pres">
+      <dgm:prSet presAssocID="{2945AA6D-928B-4984-BBBA-930AF34D3016}" presName="node" presStyleLbl="node1" presStyleIdx="1" presStyleCnt="4" custLinFactNeighborX="3536" custLinFactNeighborY="-2140">
         <dgm:presLayoutVars>
           <dgm:bulletEnabled val="1"/>
         </dgm:presLayoutVars>
@@ -3424,6 +4461,582 @@
 </dsp:drawing>
 </file>
 
+<file path=ppt/diagrams/drawing3.xml><?xml version="1.0" encoding="utf-8"?>
+<dsp:drawing xmlns:dgm="http://schemas.openxmlformats.org/drawingml/2006/diagram" xmlns:dsp="http://schemas.microsoft.com/office/drawing/2008/diagram" xmlns:a="http://schemas.openxmlformats.org/drawingml/2006/main">
+  <dsp:spTree>
+    <dsp:nvGrpSpPr>
+      <dsp:cNvPr id="0" name=""/>
+      <dsp:cNvGrpSpPr/>
+    </dsp:nvGrpSpPr>
+    <dsp:grpSpPr/>
+    <dsp:sp modelId="{3CDEB0B1-9F04-41A5-9625-FD60088E7FB1}">
+      <dsp:nvSpPr>
+        <dsp:cNvPr id="0" name=""/>
+        <dsp:cNvSpPr/>
+      </dsp:nvSpPr>
+      <dsp:spPr>
+        <a:xfrm>
+          <a:off x="4621" y="1285406"/>
+          <a:ext cx="2020453" cy="1780524"/>
+        </a:xfrm>
+        <a:prstGeom prst="roundRect">
+          <a:avLst>
+            <a:gd name="adj" fmla="val 10000"/>
+          </a:avLst>
+        </a:prstGeom>
+        <a:solidFill>
+          <a:schemeClr val="accent1">
+            <a:hueOff val="0"/>
+            <a:satOff val="0"/>
+            <a:lumOff val="0"/>
+            <a:alphaOff val="0"/>
+          </a:schemeClr>
+        </a:solidFill>
+        <a:ln w="12700" cap="flat" cmpd="sng" algn="ctr">
+          <a:solidFill>
+            <a:schemeClr val="lt1">
+              <a:hueOff val="0"/>
+              <a:satOff val="0"/>
+              <a:lumOff val="0"/>
+              <a:alphaOff val="0"/>
+            </a:schemeClr>
+          </a:solidFill>
+          <a:prstDash val="solid"/>
+          <a:miter lim="800000"/>
+        </a:ln>
+        <a:effectLst/>
+      </dsp:spPr>
+      <dsp:style>
+        <a:lnRef idx="2">
+          <a:scrgbClr r="0" g="0" b="0"/>
+        </a:lnRef>
+        <a:fillRef idx="1">
+          <a:scrgbClr r="0" g="0" b="0"/>
+        </a:fillRef>
+        <a:effectRef idx="0">
+          <a:scrgbClr r="0" g="0" b="0"/>
+        </a:effectRef>
+        <a:fontRef idx="minor">
+          <a:schemeClr val="lt1"/>
+        </a:fontRef>
+      </dsp:style>
+      <dsp:txBody>
+        <a:bodyPr spcFirstLastPara="0" vert="horz" wrap="square" lIns="68580" tIns="68580" rIns="68580" bIns="68580" numCol="1" spcCol="1270" anchor="ctr" anchorCtr="0">
+          <a:noAutofit/>
+        </a:bodyPr>
+        <a:lstStyle/>
+        <a:p>
+          <a:pPr marL="0" lvl="0" indent="0" algn="ctr" defTabSz="800100">
+            <a:lnSpc>
+              <a:spcPct val="90000"/>
+            </a:lnSpc>
+            <a:spcBef>
+              <a:spcPct val="0"/>
+            </a:spcBef>
+            <a:spcAft>
+              <a:spcPct val="35000"/>
+            </a:spcAft>
+            <a:buNone/>
+          </a:pPr>
+          <a:r>
+            <a:rPr lang="en-MY" sz="1800" kern="1200" dirty="0"/>
+            <a:t>Trigger </a:t>
+          </a:r>
+          <a:r>
+            <a:rPr lang="en-MY" sz="1800" kern="1200" dirty="0" err="1"/>
+            <a:t>face_recognition</a:t>
+          </a:r>
+          <a:r>
+            <a:rPr lang="en-MY" sz="1800" kern="1200" dirty="0"/>
+            <a:t> agent using </a:t>
+          </a:r>
+          <a:r>
+            <a:rPr lang="en-MY" sz="1800" kern="1200" dirty="0" err="1"/>
+            <a:t>UIPath</a:t>
+          </a:r>
+          <a:endParaRPr lang="en-MY" sz="1800" kern="1200" dirty="0"/>
+        </a:p>
+      </dsp:txBody>
+      <dsp:txXfrm>
+        <a:off x="56771" y="1337556"/>
+        <a:ext cx="1916153" cy="1676224"/>
+      </dsp:txXfrm>
+    </dsp:sp>
+    <dsp:sp modelId="{905D3F63-75CA-4056-AF8B-78330F7AAF90}">
+      <dsp:nvSpPr>
+        <dsp:cNvPr id="0" name=""/>
+        <dsp:cNvSpPr/>
+      </dsp:nvSpPr>
+      <dsp:spPr>
+        <a:xfrm rot="21554158">
+          <a:off x="2234244" y="1905913"/>
+          <a:ext cx="443521" cy="501072"/>
+        </a:xfrm>
+        <a:prstGeom prst="rightArrow">
+          <a:avLst>
+            <a:gd name="adj1" fmla="val 60000"/>
+            <a:gd name="adj2" fmla="val 50000"/>
+          </a:avLst>
+        </a:prstGeom>
+        <a:solidFill>
+          <a:schemeClr val="accent1">
+            <a:tint val="60000"/>
+            <a:hueOff val="0"/>
+            <a:satOff val="0"/>
+            <a:lumOff val="0"/>
+            <a:alphaOff val="0"/>
+          </a:schemeClr>
+        </a:solidFill>
+        <a:ln>
+          <a:noFill/>
+        </a:ln>
+        <a:effectLst/>
+      </dsp:spPr>
+      <dsp:style>
+        <a:lnRef idx="0">
+          <a:scrgbClr r="0" g="0" b="0"/>
+        </a:lnRef>
+        <a:fillRef idx="1">
+          <a:scrgbClr r="0" g="0" b="0"/>
+        </a:fillRef>
+        <a:effectRef idx="0">
+          <a:scrgbClr r="0" g="0" b="0"/>
+        </a:effectRef>
+        <a:fontRef idx="minor">
+          <a:schemeClr val="lt1"/>
+        </a:fontRef>
+      </dsp:style>
+      <dsp:txBody>
+        <a:bodyPr spcFirstLastPara="0" vert="horz" wrap="square" lIns="0" tIns="0" rIns="0" bIns="0" numCol="1" spcCol="1270" anchor="ctr" anchorCtr="0">
+          <a:noAutofit/>
+        </a:bodyPr>
+        <a:lstStyle/>
+        <a:p>
+          <a:pPr marL="0" lvl="0" indent="0" algn="ctr" defTabSz="622300">
+            <a:lnSpc>
+              <a:spcPct val="90000"/>
+            </a:lnSpc>
+            <a:spcBef>
+              <a:spcPct val="0"/>
+            </a:spcBef>
+            <a:spcAft>
+              <a:spcPct val="35000"/>
+            </a:spcAft>
+            <a:buNone/>
+          </a:pPr>
+          <a:endParaRPr lang="en-MY" sz="1400" kern="1200"/>
+        </a:p>
+      </dsp:txBody>
+      <dsp:txXfrm>
+        <a:off x="2234250" y="2007014"/>
+        <a:ext cx="310465" cy="300644"/>
+      </dsp:txXfrm>
+    </dsp:sp>
+    <dsp:sp modelId="{7CDF350E-3FAC-4D6A-8E57-CD6CB7A5C1D3}">
+      <dsp:nvSpPr>
+        <dsp:cNvPr id="0" name=""/>
+        <dsp:cNvSpPr/>
+      </dsp:nvSpPr>
+      <dsp:spPr>
+        <a:xfrm>
+          <a:off x="2861833" y="1247303"/>
+          <a:ext cx="2020453" cy="1780524"/>
+        </a:xfrm>
+        <a:prstGeom prst="roundRect">
+          <a:avLst>
+            <a:gd name="adj" fmla="val 10000"/>
+          </a:avLst>
+        </a:prstGeom>
+        <a:solidFill>
+          <a:schemeClr val="accent1">
+            <a:hueOff val="0"/>
+            <a:satOff val="0"/>
+            <a:lumOff val="0"/>
+            <a:alphaOff val="0"/>
+          </a:schemeClr>
+        </a:solidFill>
+        <a:ln w="12700" cap="flat" cmpd="sng" algn="ctr">
+          <a:solidFill>
+            <a:schemeClr val="lt1">
+              <a:hueOff val="0"/>
+              <a:satOff val="0"/>
+              <a:lumOff val="0"/>
+              <a:alphaOff val="0"/>
+            </a:schemeClr>
+          </a:solidFill>
+          <a:prstDash val="solid"/>
+          <a:miter lim="800000"/>
+        </a:ln>
+        <a:effectLst/>
+      </dsp:spPr>
+      <dsp:style>
+        <a:lnRef idx="2">
+          <a:scrgbClr r="0" g="0" b="0"/>
+        </a:lnRef>
+        <a:fillRef idx="1">
+          <a:scrgbClr r="0" g="0" b="0"/>
+        </a:fillRef>
+        <a:effectRef idx="0">
+          <a:scrgbClr r="0" g="0" b="0"/>
+        </a:effectRef>
+        <a:fontRef idx="minor">
+          <a:schemeClr val="lt1"/>
+        </a:fontRef>
+      </dsp:style>
+      <dsp:txBody>
+        <a:bodyPr spcFirstLastPara="0" vert="horz" wrap="square" lIns="68580" tIns="68580" rIns="68580" bIns="68580" numCol="1" spcCol="1270" anchor="ctr" anchorCtr="0">
+          <a:noAutofit/>
+        </a:bodyPr>
+        <a:lstStyle/>
+        <a:p>
+          <a:pPr marL="0" lvl="0" indent="0" algn="ctr" defTabSz="800100">
+            <a:lnSpc>
+              <a:spcPct val="90000"/>
+            </a:lnSpc>
+            <a:spcBef>
+              <a:spcPct val="0"/>
+            </a:spcBef>
+            <a:spcAft>
+              <a:spcPct val="35000"/>
+            </a:spcAft>
+            <a:buNone/>
+          </a:pPr>
+          <a:r>
+            <a:rPr lang="en-MY" sz="1800" kern="1200" dirty="0"/>
+            <a:t>Trigger temperature taking agent using </a:t>
+          </a:r>
+          <a:r>
+            <a:rPr lang="en-MY" sz="1800" kern="1200" dirty="0" err="1"/>
+            <a:t>UIPath</a:t>
+          </a:r>
+          <a:endParaRPr lang="en-MY" sz="1800" kern="1200" dirty="0"/>
+        </a:p>
+      </dsp:txBody>
+      <dsp:txXfrm>
+        <a:off x="2913983" y="1299453"/>
+        <a:ext cx="1916153" cy="1676224"/>
+      </dsp:txXfrm>
+    </dsp:sp>
+    <dsp:sp modelId="{5C5D17E2-7442-4423-9E33-D30224CD2161}">
+      <dsp:nvSpPr>
+        <dsp:cNvPr id="0" name=""/>
+        <dsp:cNvSpPr/>
+      </dsp:nvSpPr>
+      <dsp:spPr>
+        <a:xfrm rot="46778">
+          <a:off x="5077168" y="1906240"/>
+          <a:ext cx="413228" cy="501072"/>
+        </a:xfrm>
+        <a:prstGeom prst="rightArrow">
+          <a:avLst>
+            <a:gd name="adj1" fmla="val 60000"/>
+            <a:gd name="adj2" fmla="val 50000"/>
+          </a:avLst>
+        </a:prstGeom>
+        <a:solidFill>
+          <a:schemeClr val="accent1">
+            <a:tint val="60000"/>
+            <a:hueOff val="0"/>
+            <a:satOff val="0"/>
+            <a:lumOff val="0"/>
+            <a:alphaOff val="0"/>
+          </a:schemeClr>
+        </a:solidFill>
+        <a:ln>
+          <a:noFill/>
+        </a:ln>
+        <a:effectLst/>
+      </dsp:spPr>
+      <dsp:style>
+        <a:lnRef idx="0">
+          <a:scrgbClr r="0" g="0" b="0"/>
+        </a:lnRef>
+        <a:fillRef idx="1">
+          <a:scrgbClr r="0" g="0" b="0"/>
+        </a:fillRef>
+        <a:effectRef idx="0">
+          <a:scrgbClr r="0" g="0" b="0"/>
+        </a:effectRef>
+        <a:fontRef idx="minor">
+          <a:schemeClr val="lt1"/>
+        </a:fontRef>
+      </dsp:style>
+      <dsp:txBody>
+        <a:bodyPr spcFirstLastPara="0" vert="horz" wrap="square" lIns="0" tIns="0" rIns="0" bIns="0" numCol="1" spcCol="1270" anchor="ctr" anchorCtr="0">
+          <a:noAutofit/>
+        </a:bodyPr>
+        <a:lstStyle/>
+        <a:p>
+          <a:pPr marL="0" lvl="0" indent="0" algn="ctr" defTabSz="622300">
+            <a:lnSpc>
+              <a:spcPct val="90000"/>
+            </a:lnSpc>
+            <a:spcBef>
+              <a:spcPct val="0"/>
+            </a:spcBef>
+            <a:spcAft>
+              <a:spcPct val="35000"/>
+            </a:spcAft>
+            <a:buNone/>
+          </a:pPr>
+          <a:endParaRPr lang="en-MY" sz="1400" kern="1200"/>
+        </a:p>
+      </dsp:txBody>
+      <dsp:txXfrm>
+        <a:off x="5077174" y="2005611"/>
+        <a:ext cx="289260" cy="300644"/>
+      </dsp:txXfrm>
+    </dsp:sp>
+    <dsp:sp modelId="{04D477CD-F208-4367-AF01-D4DE0B3DDA8D}">
+      <dsp:nvSpPr>
+        <dsp:cNvPr id="0" name=""/>
+        <dsp:cNvSpPr/>
+      </dsp:nvSpPr>
+      <dsp:spPr>
+        <a:xfrm>
+          <a:off x="5661890" y="1285406"/>
+          <a:ext cx="2020453" cy="1780524"/>
+        </a:xfrm>
+        <a:prstGeom prst="roundRect">
+          <a:avLst>
+            <a:gd name="adj" fmla="val 10000"/>
+          </a:avLst>
+        </a:prstGeom>
+        <a:solidFill>
+          <a:schemeClr val="accent1">
+            <a:hueOff val="0"/>
+            <a:satOff val="0"/>
+            <a:lumOff val="0"/>
+            <a:alphaOff val="0"/>
+          </a:schemeClr>
+        </a:solidFill>
+        <a:ln w="12700" cap="flat" cmpd="sng" algn="ctr">
+          <a:solidFill>
+            <a:schemeClr val="lt1">
+              <a:hueOff val="0"/>
+              <a:satOff val="0"/>
+              <a:lumOff val="0"/>
+              <a:alphaOff val="0"/>
+            </a:schemeClr>
+          </a:solidFill>
+          <a:prstDash val="solid"/>
+          <a:miter lim="800000"/>
+        </a:ln>
+        <a:effectLst/>
+      </dsp:spPr>
+      <dsp:style>
+        <a:lnRef idx="2">
+          <a:scrgbClr r="0" g="0" b="0"/>
+        </a:lnRef>
+        <a:fillRef idx="1">
+          <a:scrgbClr r="0" g="0" b="0"/>
+        </a:fillRef>
+        <a:effectRef idx="0">
+          <a:scrgbClr r="0" g="0" b="0"/>
+        </a:effectRef>
+        <a:fontRef idx="minor">
+          <a:schemeClr val="lt1"/>
+        </a:fontRef>
+      </dsp:style>
+      <dsp:txBody>
+        <a:bodyPr spcFirstLastPara="0" vert="horz" wrap="square" lIns="68580" tIns="68580" rIns="68580" bIns="68580" numCol="1" spcCol="1270" anchor="ctr" anchorCtr="0">
+          <a:noAutofit/>
+        </a:bodyPr>
+        <a:lstStyle/>
+        <a:p>
+          <a:pPr marL="0" lvl="0" indent="0" algn="ctr" defTabSz="800100">
+            <a:lnSpc>
+              <a:spcPct val="90000"/>
+            </a:lnSpc>
+            <a:spcBef>
+              <a:spcPct val="0"/>
+            </a:spcBef>
+            <a:spcAft>
+              <a:spcPct val="35000"/>
+            </a:spcAft>
+            <a:buNone/>
+          </a:pPr>
+          <a:r>
+            <a:rPr lang="en-MY" sz="1800" kern="1200" dirty="0" err="1"/>
+            <a:t>UIPath</a:t>
+          </a:r>
+          <a:r>
+            <a:rPr lang="en-MY" sz="1800" kern="1200" dirty="0"/>
+            <a:t> RPA observes changes from the alert.csv that records changes in temperature</a:t>
+          </a:r>
+        </a:p>
+      </dsp:txBody>
+      <dsp:txXfrm>
+        <a:off x="5714040" y="1337556"/>
+        <a:ext cx="1916153" cy="1676224"/>
+      </dsp:txXfrm>
+    </dsp:sp>
+    <dsp:sp modelId="{953B5824-5C53-468A-B32E-970E576C509F}">
+      <dsp:nvSpPr>
+        <dsp:cNvPr id="0" name=""/>
+        <dsp:cNvSpPr/>
+      </dsp:nvSpPr>
+      <dsp:spPr>
+        <a:xfrm>
+          <a:off x="7884389" y="1925132"/>
+          <a:ext cx="428336" cy="501072"/>
+        </a:xfrm>
+        <a:prstGeom prst="rightArrow">
+          <a:avLst>
+            <a:gd name="adj1" fmla="val 60000"/>
+            <a:gd name="adj2" fmla="val 50000"/>
+          </a:avLst>
+        </a:prstGeom>
+        <a:solidFill>
+          <a:schemeClr val="accent1">
+            <a:tint val="60000"/>
+            <a:hueOff val="0"/>
+            <a:satOff val="0"/>
+            <a:lumOff val="0"/>
+            <a:alphaOff val="0"/>
+          </a:schemeClr>
+        </a:solidFill>
+        <a:ln>
+          <a:noFill/>
+        </a:ln>
+        <a:effectLst/>
+      </dsp:spPr>
+      <dsp:style>
+        <a:lnRef idx="0">
+          <a:scrgbClr r="0" g="0" b="0"/>
+        </a:lnRef>
+        <a:fillRef idx="1">
+          <a:scrgbClr r="0" g="0" b="0"/>
+        </a:fillRef>
+        <a:effectRef idx="0">
+          <a:scrgbClr r="0" g="0" b="0"/>
+        </a:effectRef>
+        <a:fontRef idx="minor">
+          <a:schemeClr val="lt1"/>
+        </a:fontRef>
+      </dsp:style>
+      <dsp:txBody>
+        <a:bodyPr spcFirstLastPara="0" vert="horz" wrap="square" lIns="0" tIns="0" rIns="0" bIns="0" numCol="1" spcCol="1270" anchor="ctr" anchorCtr="0">
+          <a:noAutofit/>
+        </a:bodyPr>
+        <a:lstStyle/>
+        <a:p>
+          <a:pPr marL="0" lvl="0" indent="0" algn="ctr" defTabSz="622300">
+            <a:lnSpc>
+              <a:spcPct val="90000"/>
+            </a:lnSpc>
+            <a:spcBef>
+              <a:spcPct val="0"/>
+            </a:spcBef>
+            <a:spcAft>
+              <a:spcPct val="35000"/>
+            </a:spcAft>
+            <a:buNone/>
+          </a:pPr>
+          <a:endParaRPr lang="en-MY" sz="1400" kern="1200"/>
+        </a:p>
+      </dsp:txBody>
+      <dsp:txXfrm>
+        <a:off x="7884389" y="2025346"/>
+        <a:ext cx="299835" cy="300644"/>
+      </dsp:txXfrm>
+    </dsp:sp>
+    <dsp:sp modelId="{64194EF6-CFB7-43A7-8DB1-4FC3F2E93A72}">
+      <dsp:nvSpPr>
+        <dsp:cNvPr id="0" name=""/>
+        <dsp:cNvSpPr/>
+      </dsp:nvSpPr>
+      <dsp:spPr>
+        <a:xfrm>
+          <a:off x="8490525" y="1285406"/>
+          <a:ext cx="2020453" cy="1780524"/>
+        </a:xfrm>
+        <a:prstGeom prst="roundRect">
+          <a:avLst>
+            <a:gd name="adj" fmla="val 10000"/>
+          </a:avLst>
+        </a:prstGeom>
+        <a:solidFill>
+          <a:schemeClr val="accent1">
+            <a:hueOff val="0"/>
+            <a:satOff val="0"/>
+            <a:lumOff val="0"/>
+            <a:alphaOff val="0"/>
+          </a:schemeClr>
+        </a:solidFill>
+        <a:ln w="12700" cap="flat" cmpd="sng" algn="ctr">
+          <a:solidFill>
+            <a:schemeClr val="lt1">
+              <a:hueOff val="0"/>
+              <a:satOff val="0"/>
+              <a:lumOff val="0"/>
+              <a:alphaOff val="0"/>
+            </a:schemeClr>
+          </a:solidFill>
+          <a:prstDash val="solid"/>
+          <a:miter lim="800000"/>
+        </a:ln>
+        <a:effectLst/>
+      </dsp:spPr>
+      <dsp:style>
+        <a:lnRef idx="2">
+          <a:scrgbClr r="0" g="0" b="0"/>
+        </a:lnRef>
+        <a:fillRef idx="1">
+          <a:scrgbClr r="0" g="0" b="0"/>
+        </a:fillRef>
+        <a:effectRef idx="0">
+          <a:scrgbClr r="0" g="0" b="0"/>
+        </a:effectRef>
+        <a:fontRef idx="minor">
+          <a:schemeClr val="lt1"/>
+        </a:fontRef>
+      </dsp:style>
+      <dsp:txBody>
+        <a:bodyPr spcFirstLastPara="0" vert="horz" wrap="square" lIns="68580" tIns="68580" rIns="68580" bIns="68580" numCol="1" spcCol="1270" anchor="ctr" anchorCtr="0">
+          <a:noAutofit/>
+        </a:bodyPr>
+        <a:lstStyle/>
+        <a:p>
+          <a:pPr marL="0" lvl="0" indent="0" algn="ctr" defTabSz="800100">
+            <a:lnSpc>
+              <a:spcPct val="90000"/>
+            </a:lnSpc>
+            <a:spcBef>
+              <a:spcPct val="0"/>
+            </a:spcBef>
+            <a:spcAft>
+              <a:spcPct val="35000"/>
+            </a:spcAft>
+            <a:buNone/>
+          </a:pPr>
+          <a:r>
+            <a:rPr lang="en-MY" sz="1800" kern="1200" dirty="0" err="1"/>
+            <a:t>UIPath</a:t>
+          </a:r>
+          <a:r>
+            <a:rPr lang="en-MY" sz="1800" kern="1200" dirty="0"/>
+            <a:t> RPA sends email if the </a:t>
+          </a:r>
+          <a:r>
+            <a:rPr lang="en-MY" sz="1800" kern="1200" dirty="0" err="1"/>
+            <a:t>vistor</a:t>
+          </a:r>
+          <a:r>
+            <a:rPr lang="en-MY" sz="1800" kern="1200" dirty="0"/>
+            <a:t> is having temperature or blacklisted</a:t>
+          </a:r>
+        </a:p>
+      </dsp:txBody>
+      <dsp:txXfrm>
+        <a:off x="8542675" y="1337556"/>
+        <a:ext cx="1916153" cy="1676224"/>
+      </dsp:txXfrm>
+    </dsp:sp>
+  </dsp:spTree>
+</dsp:drawing>
+</file>
+
 <file path=ppt/diagrams/layout1.xml><?xml version="1.0" encoding="utf-8"?>
 <dgm:layoutDef xmlns:dgm="http://schemas.openxmlformats.org/drawingml/2006/diagram" xmlns:a="http://schemas.openxmlformats.org/drawingml/2006/main" uniqueId="urn:microsoft.com/office/officeart/2005/8/layout/hierarchy6">
   <dgm:title val=""/>
@@ -4081,6 +5694,152 @@
 </dgm:layoutDef>
 </file>
 
+<file path=ppt/diagrams/layout3.xml><?xml version="1.0" encoding="utf-8"?>
+<dgm:layoutDef xmlns:dgm="http://schemas.openxmlformats.org/drawingml/2006/diagram" xmlns:a="http://schemas.openxmlformats.org/drawingml/2006/main" uniqueId="urn:microsoft.com/office/officeart/2005/8/layout/process1">
+  <dgm:title val=""/>
+  <dgm:desc val=""/>
+  <dgm:catLst>
+    <dgm:cat type="process" pri="1000"/>
+    <dgm:cat type="convert" pri="15000"/>
+  </dgm:catLst>
+  <dgm:sampData useDef="1">
+    <dgm:dataModel>
+      <dgm:ptLst/>
+      <dgm:bg/>
+      <dgm:whole/>
+    </dgm:dataModel>
+  </dgm:sampData>
+  <dgm:styleData>
+    <dgm:dataModel>
+      <dgm:ptLst>
+        <dgm:pt modelId="0" type="doc"/>
+        <dgm:pt modelId="1"/>
+        <dgm:pt modelId="2"/>
+      </dgm:ptLst>
+      <dgm:cxnLst>
+        <dgm:cxn modelId="3" srcId="0" destId="1" srcOrd="0" destOrd="0"/>
+        <dgm:cxn modelId="4" srcId="0" destId="2" srcOrd="1" destOrd="0"/>
+      </dgm:cxnLst>
+      <dgm:bg/>
+      <dgm:whole/>
+    </dgm:dataModel>
+  </dgm:styleData>
+  <dgm:clrData>
+    <dgm:dataModel>
+      <dgm:ptLst>
+        <dgm:pt modelId="0" type="doc"/>
+        <dgm:pt modelId="1"/>
+        <dgm:pt modelId="2"/>
+        <dgm:pt modelId="3"/>
+        <dgm:pt modelId="4"/>
+      </dgm:ptLst>
+      <dgm:cxnLst>
+        <dgm:cxn modelId="5" srcId="0" destId="1" srcOrd="0" destOrd="0"/>
+        <dgm:cxn modelId="6" srcId="0" destId="2" srcOrd="1" destOrd="0"/>
+        <dgm:cxn modelId="7" srcId="0" destId="3" srcOrd="2" destOrd="0"/>
+        <dgm:cxn modelId="8" srcId="0" destId="4" srcOrd="3" destOrd="0"/>
+      </dgm:cxnLst>
+      <dgm:bg/>
+      <dgm:whole/>
+    </dgm:dataModel>
+  </dgm:clrData>
+  <dgm:layoutNode name="Name0">
+    <dgm:varLst>
+      <dgm:dir/>
+      <dgm:resizeHandles val="exact"/>
+    </dgm:varLst>
+    <dgm:choose name="Name1">
+      <dgm:if name="Name2" func="var" arg="dir" op="equ" val="norm">
+        <dgm:alg type="lin"/>
+      </dgm:if>
+      <dgm:else name="Name3">
+        <dgm:alg type="lin">
+          <dgm:param type="linDir" val="fromR"/>
+        </dgm:alg>
+      </dgm:else>
+    </dgm:choose>
+    <dgm:shape xmlns:r="http://schemas.openxmlformats.org/officeDocument/2006/relationships" r:blip="">
+      <dgm:adjLst/>
+    </dgm:shape>
+    <dgm:presOf/>
+    <dgm:constrLst>
+      <dgm:constr type="w" for="ch" ptType="node" refType="w"/>
+      <dgm:constr type="h" for="ch" ptType="node" op="equ"/>
+      <dgm:constr type="primFontSz" for="ch" ptType="node" op="equ" val="65"/>
+      <dgm:constr type="w" for="ch" ptType="sibTrans" refType="w" refFor="ch" refPtType="node" op="equ" fact="0.4"/>
+      <dgm:constr type="h" for="ch" ptType="sibTrans" op="equ"/>
+      <dgm:constr type="primFontSz" for="des" forName="connectorText" op="equ" val="55"/>
+      <dgm:constr type="primFontSz" for="des" forName="connectorText" refType="primFontSz" refFor="ch" refPtType="node" op="lte" fact="0.8"/>
+    </dgm:constrLst>
+    <dgm:ruleLst/>
+    <dgm:forEach name="nodesForEach" axis="ch" ptType="node">
+      <dgm:layoutNode name="node">
+        <dgm:varLst>
+          <dgm:bulletEnabled val="1"/>
+        </dgm:varLst>
+        <dgm:alg type="tx"/>
+        <dgm:shape xmlns:r="http://schemas.openxmlformats.org/officeDocument/2006/relationships" type="roundRect" r:blip="">
+          <dgm:adjLst>
+            <dgm:adj idx="1" val="0.1"/>
+          </dgm:adjLst>
+        </dgm:shape>
+        <dgm:presOf axis="desOrSelf" ptType="node"/>
+        <dgm:constrLst>
+          <dgm:constr type="h" refType="w" fact="0.6"/>
+          <dgm:constr type="tMarg" refType="primFontSz" fact="0.3"/>
+          <dgm:constr type="bMarg" refType="primFontSz" fact="0.3"/>
+          <dgm:constr type="lMarg" refType="primFontSz" fact="0.3"/>
+          <dgm:constr type="rMarg" refType="primFontSz" fact="0.3"/>
+        </dgm:constrLst>
+        <dgm:ruleLst>
+          <dgm:rule type="primFontSz" val="18" fact="NaN" max="NaN"/>
+          <dgm:rule type="h" val="NaN" fact="1.5" max="NaN"/>
+          <dgm:rule type="primFontSz" val="5" fact="NaN" max="NaN"/>
+          <dgm:rule type="h" val="INF" fact="NaN" max="NaN"/>
+        </dgm:ruleLst>
+      </dgm:layoutNode>
+      <dgm:forEach name="sibTransForEach" axis="followSib" ptType="sibTrans" cnt="1">
+        <dgm:layoutNode name="sibTrans">
+          <dgm:alg type="conn">
+            <dgm:param type="begPts" val="auto"/>
+            <dgm:param type="endPts" val="auto"/>
+          </dgm:alg>
+          <dgm:shape xmlns:r="http://schemas.openxmlformats.org/officeDocument/2006/relationships" type="conn" r:blip="">
+            <dgm:adjLst/>
+          </dgm:shape>
+          <dgm:presOf axis="self"/>
+          <dgm:constrLst>
+            <dgm:constr type="h" refType="w" fact="0.62"/>
+            <dgm:constr type="connDist"/>
+            <dgm:constr type="begPad" refType="connDist" fact="0.25"/>
+            <dgm:constr type="endPad" refType="connDist" fact="0.22"/>
+          </dgm:constrLst>
+          <dgm:ruleLst/>
+          <dgm:layoutNode name="connectorText">
+            <dgm:alg type="tx">
+              <dgm:param type="autoTxRot" val="grav"/>
+            </dgm:alg>
+            <dgm:shape xmlns:r="http://schemas.openxmlformats.org/officeDocument/2006/relationships" type="conn" r:blip="" hideGeom="1">
+              <dgm:adjLst/>
+            </dgm:shape>
+            <dgm:presOf axis="self"/>
+            <dgm:constrLst>
+              <dgm:constr type="lMarg"/>
+              <dgm:constr type="rMarg"/>
+              <dgm:constr type="tMarg"/>
+              <dgm:constr type="bMarg"/>
+            </dgm:constrLst>
+            <dgm:ruleLst>
+              <dgm:rule type="primFontSz" val="5" fact="NaN" max="NaN"/>
+            </dgm:ruleLst>
+          </dgm:layoutNode>
+        </dgm:layoutNode>
+      </dgm:forEach>
+    </dgm:forEach>
+  </dgm:layoutNode>
+</dgm:layoutDef>
+</file>
+
 <file path=ppt/diagrams/quickStyle1.xml><?xml version="1.0" encoding="utf-8"?>
 <dgm:styleDef xmlns:dgm="http://schemas.openxmlformats.org/drawingml/2006/diagram" xmlns:a="http://schemas.openxmlformats.org/drawingml/2006/main" uniqueId="urn:microsoft.com/office/officeart/2005/8/quickstyle/simple1">
   <dgm:title val=""/>
@@ -5116,6 +6875,1040 @@
 </file>
 
 <file path=ppt/diagrams/quickStyle2.xml><?xml version="1.0" encoding="utf-8"?>
+<dgm:styleDef xmlns:dgm="http://schemas.openxmlformats.org/drawingml/2006/diagram" xmlns:a="http://schemas.openxmlformats.org/drawingml/2006/main" uniqueId="urn:microsoft.com/office/officeart/2005/8/quickstyle/simple1">
+  <dgm:title val=""/>
+  <dgm:desc val=""/>
+  <dgm:catLst>
+    <dgm:cat type="simple" pri="10100"/>
+  </dgm:catLst>
+  <dgm:scene3d>
+    <a:camera prst="orthographicFront"/>
+    <a:lightRig rig="threePt" dir="t"/>
+  </dgm:scene3d>
+  <dgm:styleLbl name="node0">
+    <dgm:scene3d>
+      <a:camera prst="orthographicFront"/>
+      <a:lightRig rig="threePt" dir="t"/>
+    </dgm:scene3d>
+    <dgm:sp3d/>
+    <dgm:txPr/>
+    <dgm:style>
+      <a:lnRef idx="2">
+        <a:scrgbClr r="0" g="0" b="0"/>
+      </a:lnRef>
+      <a:fillRef idx="1">
+        <a:scrgbClr r="0" g="0" b="0"/>
+      </a:fillRef>
+      <a:effectRef idx="0">
+        <a:scrgbClr r="0" g="0" b="0"/>
+      </a:effectRef>
+      <a:fontRef idx="minor">
+        <a:schemeClr val="lt1"/>
+      </a:fontRef>
+    </dgm:style>
+  </dgm:styleLbl>
+  <dgm:styleLbl name="lnNode1">
+    <dgm:scene3d>
+      <a:camera prst="orthographicFront"/>
+      <a:lightRig rig="threePt" dir="t"/>
+    </dgm:scene3d>
+    <dgm:sp3d/>
+    <dgm:txPr/>
+    <dgm:style>
+      <a:lnRef idx="2">
+        <a:scrgbClr r="0" g="0" b="0"/>
+      </a:lnRef>
+      <a:fillRef idx="1">
+        <a:scrgbClr r="0" g="0" b="0"/>
+      </a:fillRef>
+      <a:effectRef idx="0">
+        <a:scrgbClr r="0" g="0" b="0"/>
+      </a:effectRef>
+      <a:fontRef idx="minor">
+        <a:schemeClr val="lt1"/>
+      </a:fontRef>
+    </dgm:style>
+  </dgm:styleLbl>
+  <dgm:styleLbl name="vennNode1">
+    <dgm:scene3d>
+      <a:camera prst="orthographicFront"/>
+      <a:lightRig rig="threePt" dir="t"/>
+    </dgm:scene3d>
+    <dgm:sp3d/>
+    <dgm:txPr/>
+    <dgm:style>
+      <a:lnRef idx="2">
+        <a:scrgbClr r="0" g="0" b="0"/>
+      </a:lnRef>
+      <a:fillRef idx="1">
+        <a:scrgbClr r="0" g="0" b="0"/>
+      </a:fillRef>
+      <a:effectRef idx="0">
+        <a:scrgbClr r="0" g="0" b="0"/>
+      </a:effectRef>
+      <a:fontRef idx="minor">
+        <a:schemeClr val="tx1"/>
+      </a:fontRef>
+    </dgm:style>
+  </dgm:styleLbl>
+  <dgm:styleLbl name="alignNode1">
+    <dgm:scene3d>
+      <a:camera prst="orthographicFront"/>
+      <a:lightRig rig="threePt" dir="t"/>
+    </dgm:scene3d>
+    <dgm:sp3d/>
+    <dgm:txPr/>
+    <dgm:style>
+      <a:lnRef idx="2">
+        <a:scrgbClr r="0" g="0" b="0"/>
+      </a:lnRef>
+      <a:fillRef idx="1">
+        <a:scrgbClr r="0" g="0" b="0"/>
+      </a:fillRef>
+      <a:effectRef idx="0">
+        <a:scrgbClr r="0" g="0" b="0"/>
+      </a:effectRef>
+      <a:fontRef idx="minor">
+        <a:schemeClr val="lt1"/>
+      </a:fontRef>
+    </dgm:style>
+  </dgm:styleLbl>
+  <dgm:styleLbl name="node1">
+    <dgm:scene3d>
+      <a:camera prst="orthographicFront"/>
+      <a:lightRig rig="threePt" dir="t"/>
+    </dgm:scene3d>
+    <dgm:sp3d/>
+    <dgm:txPr/>
+    <dgm:style>
+      <a:lnRef idx="2">
+        <a:scrgbClr r="0" g="0" b="0"/>
+      </a:lnRef>
+      <a:fillRef idx="1">
+        <a:scrgbClr r="0" g="0" b="0"/>
+      </a:fillRef>
+      <a:effectRef idx="0">
+        <a:scrgbClr r="0" g="0" b="0"/>
+      </a:effectRef>
+      <a:fontRef idx="minor">
+        <a:schemeClr val="lt1"/>
+      </a:fontRef>
+    </dgm:style>
+  </dgm:styleLbl>
+  <dgm:styleLbl name="node2">
+    <dgm:scene3d>
+      <a:camera prst="orthographicFront"/>
+      <a:lightRig rig="threePt" dir="t"/>
+    </dgm:scene3d>
+    <dgm:sp3d/>
+    <dgm:txPr/>
+    <dgm:style>
+      <a:lnRef idx="2">
+        <a:scrgbClr r="0" g="0" b="0"/>
+      </a:lnRef>
+      <a:fillRef idx="1">
+        <a:scrgbClr r="0" g="0" b="0"/>
+      </a:fillRef>
+      <a:effectRef idx="0">
+        <a:scrgbClr r="0" g="0" b="0"/>
+      </a:effectRef>
+      <a:fontRef idx="minor">
+        <a:schemeClr val="lt1"/>
+      </a:fontRef>
+    </dgm:style>
+  </dgm:styleLbl>
+  <dgm:styleLbl name="node3">
+    <dgm:scene3d>
+      <a:camera prst="orthographicFront"/>
+      <a:lightRig rig="threePt" dir="t"/>
+    </dgm:scene3d>
+    <dgm:sp3d/>
+    <dgm:txPr/>
+    <dgm:style>
+      <a:lnRef idx="2">
+        <a:scrgbClr r="0" g="0" b="0"/>
+      </a:lnRef>
+      <a:fillRef idx="1">
+        <a:scrgbClr r="0" g="0" b="0"/>
+      </a:fillRef>
+      <a:effectRef idx="0">
+        <a:scrgbClr r="0" g="0" b="0"/>
+      </a:effectRef>
+      <a:fontRef idx="minor">
+        <a:schemeClr val="lt1"/>
+      </a:fontRef>
+    </dgm:style>
+  </dgm:styleLbl>
+  <dgm:styleLbl name="node4">
+    <dgm:scene3d>
+      <a:camera prst="orthographicFront"/>
+      <a:lightRig rig="threePt" dir="t"/>
+    </dgm:scene3d>
+    <dgm:sp3d/>
+    <dgm:txPr/>
+    <dgm:style>
+      <a:lnRef idx="2">
+        <a:scrgbClr r="0" g="0" b="0"/>
+      </a:lnRef>
+      <a:fillRef idx="1">
+        <a:scrgbClr r="0" g="0" b="0"/>
+      </a:fillRef>
+      <a:effectRef idx="0">
+        <a:scrgbClr r="0" g="0" b="0"/>
+      </a:effectRef>
+      <a:fontRef idx="minor">
+        <a:schemeClr val="lt1"/>
+      </a:fontRef>
+    </dgm:style>
+  </dgm:styleLbl>
+  <dgm:styleLbl name="fgImgPlace1">
+    <dgm:scene3d>
+      <a:camera prst="orthographicFront"/>
+      <a:lightRig rig="threePt" dir="t"/>
+    </dgm:scene3d>
+    <dgm:sp3d/>
+    <dgm:txPr/>
+    <dgm:style>
+      <a:lnRef idx="2">
+        <a:scrgbClr r="0" g="0" b="0"/>
+      </a:lnRef>
+      <a:fillRef idx="1">
+        <a:scrgbClr r="0" g="0" b="0"/>
+      </a:fillRef>
+      <a:effectRef idx="0">
+        <a:scrgbClr r="0" g="0" b="0"/>
+      </a:effectRef>
+      <a:fontRef idx="minor"/>
+    </dgm:style>
+  </dgm:styleLbl>
+  <dgm:styleLbl name="alignImgPlace1">
+    <dgm:scene3d>
+      <a:camera prst="orthographicFront"/>
+      <a:lightRig rig="threePt" dir="t"/>
+    </dgm:scene3d>
+    <dgm:sp3d/>
+    <dgm:txPr/>
+    <dgm:style>
+      <a:lnRef idx="2">
+        <a:scrgbClr r="0" g="0" b="0"/>
+      </a:lnRef>
+      <a:fillRef idx="1">
+        <a:scrgbClr r="0" g="0" b="0"/>
+      </a:fillRef>
+      <a:effectRef idx="0">
+        <a:scrgbClr r="0" g="0" b="0"/>
+      </a:effectRef>
+      <a:fontRef idx="minor"/>
+    </dgm:style>
+  </dgm:styleLbl>
+  <dgm:styleLbl name="bgImgPlace1">
+    <dgm:scene3d>
+      <a:camera prst="orthographicFront"/>
+      <a:lightRig rig="threePt" dir="t"/>
+    </dgm:scene3d>
+    <dgm:sp3d/>
+    <dgm:txPr/>
+    <dgm:style>
+      <a:lnRef idx="2">
+        <a:scrgbClr r="0" g="0" b="0"/>
+      </a:lnRef>
+      <a:fillRef idx="1">
+        <a:scrgbClr r="0" g="0" b="0"/>
+      </a:fillRef>
+      <a:effectRef idx="0">
+        <a:scrgbClr r="0" g="0" b="0"/>
+      </a:effectRef>
+      <a:fontRef idx="minor"/>
+    </dgm:style>
+  </dgm:styleLbl>
+  <dgm:styleLbl name="sibTrans2D1">
+    <dgm:scene3d>
+      <a:camera prst="orthographicFront"/>
+      <a:lightRig rig="threePt" dir="t"/>
+    </dgm:scene3d>
+    <dgm:sp3d/>
+    <dgm:txPr/>
+    <dgm:style>
+      <a:lnRef idx="0">
+        <a:scrgbClr r="0" g="0" b="0"/>
+      </a:lnRef>
+      <a:fillRef idx="1">
+        <a:scrgbClr r="0" g="0" b="0"/>
+      </a:fillRef>
+      <a:effectRef idx="0">
+        <a:scrgbClr r="0" g="0" b="0"/>
+      </a:effectRef>
+      <a:fontRef idx="minor">
+        <a:schemeClr val="lt1"/>
+      </a:fontRef>
+    </dgm:style>
+  </dgm:styleLbl>
+  <dgm:styleLbl name="fgSibTrans2D1">
+    <dgm:scene3d>
+      <a:camera prst="orthographicFront"/>
+      <a:lightRig rig="threePt" dir="t"/>
+    </dgm:scene3d>
+    <dgm:sp3d/>
+    <dgm:txPr/>
+    <dgm:style>
+      <a:lnRef idx="0">
+        <a:scrgbClr r="0" g="0" b="0"/>
+      </a:lnRef>
+      <a:fillRef idx="1">
+        <a:scrgbClr r="0" g="0" b="0"/>
+      </a:fillRef>
+      <a:effectRef idx="0">
+        <a:scrgbClr r="0" g="0" b="0"/>
+      </a:effectRef>
+      <a:fontRef idx="minor">
+        <a:schemeClr val="lt1"/>
+      </a:fontRef>
+    </dgm:style>
+  </dgm:styleLbl>
+  <dgm:styleLbl name="bgSibTrans2D1">
+    <dgm:scene3d>
+      <a:camera prst="orthographicFront"/>
+      <a:lightRig rig="threePt" dir="t"/>
+    </dgm:scene3d>
+    <dgm:sp3d/>
+    <dgm:txPr/>
+    <dgm:style>
+      <a:lnRef idx="0">
+        <a:scrgbClr r="0" g="0" b="0"/>
+      </a:lnRef>
+      <a:fillRef idx="1">
+        <a:scrgbClr r="0" g="0" b="0"/>
+      </a:fillRef>
+      <a:effectRef idx="0">
+        <a:scrgbClr r="0" g="0" b="0"/>
+      </a:effectRef>
+      <a:fontRef idx="minor">
+        <a:schemeClr val="lt1"/>
+      </a:fontRef>
+    </dgm:style>
+  </dgm:styleLbl>
+  <dgm:styleLbl name="sibTrans1D1">
+    <dgm:scene3d>
+      <a:camera prst="orthographicFront"/>
+      <a:lightRig rig="threePt" dir="t"/>
+    </dgm:scene3d>
+    <dgm:sp3d/>
+    <dgm:txPr/>
+    <dgm:style>
+      <a:lnRef idx="1">
+        <a:scrgbClr r="0" g="0" b="0"/>
+      </a:lnRef>
+      <a:fillRef idx="0">
+        <a:scrgbClr r="0" g="0" b="0"/>
+      </a:fillRef>
+      <a:effectRef idx="0">
+        <a:scrgbClr r="0" g="0" b="0"/>
+      </a:effectRef>
+      <a:fontRef idx="minor"/>
+    </dgm:style>
+  </dgm:styleLbl>
+  <dgm:styleLbl name="callout">
+    <dgm:scene3d>
+      <a:camera prst="orthographicFront"/>
+      <a:lightRig rig="threePt" dir="t"/>
+    </dgm:scene3d>
+    <dgm:sp3d/>
+    <dgm:txPr/>
+    <dgm:style>
+      <a:lnRef idx="2">
+        <a:scrgbClr r="0" g="0" b="0"/>
+      </a:lnRef>
+      <a:fillRef idx="1">
+        <a:scrgbClr r="0" g="0" b="0"/>
+      </a:fillRef>
+      <a:effectRef idx="0">
+        <a:scrgbClr r="0" g="0" b="0"/>
+      </a:effectRef>
+      <a:fontRef idx="minor"/>
+    </dgm:style>
+  </dgm:styleLbl>
+  <dgm:styleLbl name="asst0">
+    <dgm:scene3d>
+      <a:camera prst="orthographicFront"/>
+      <a:lightRig rig="threePt" dir="t"/>
+    </dgm:scene3d>
+    <dgm:sp3d/>
+    <dgm:txPr/>
+    <dgm:style>
+      <a:lnRef idx="2">
+        <a:scrgbClr r="0" g="0" b="0"/>
+      </a:lnRef>
+      <a:fillRef idx="1">
+        <a:scrgbClr r="0" g="0" b="0"/>
+      </a:fillRef>
+      <a:effectRef idx="0">
+        <a:scrgbClr r="0" g="0" b="0"/>
+      </a:effectRef>
+      <a:fontRef idx="minor">
+        <a:schemeClr val="lt1"/>
+      </a:fontRef>
+    </dgm:style>
+  </dgm:styleLbl>
+  <dgm:styleLbl name="asst1">
+    <dgm:scene3d>
+      <a:camera prst="orthographicFront"/>
+      <a:lightRig rig="threePt" dir="t"/>
+    </dgm:scene3d>
+    <dgm:sp3d/>
+    <dgm:txPr/>
+    <dgm:style>
+      <a:lnRef idx="2">
+        <a:scrgbClr r="0" g="0" b="0"/>
+      </a:lnRef>
+      <a:fillRef idx="1">
+        <a:scrgbClr r="0" g="0" b="0"/>
+      </a:fillRef>
+      <a:effectRef idx="0">
+        <a:scrgbClr r="0" g="0" b="0"/>
+      </a:effectRef>
+      <a:fontRef idx="minor">
+        <a:schemeClr val="lt1"/>
+      </a:fontRef>
+    </dgm:style>
+  </dgm:styleLbl>
+  <dgm:styleLbl name="asst2">
+    <dgm:scene3d>
+      <a:camera prst="orthographicFront"/>
+      <a:lightRig rig="threePt" dir="t"/>
+    </dgm:scene3d>
+    <dgm:sp3d/>
+    <dgm:txPr/>
+    <dgm:style>
+      <a:lnRef idx="2">
+        <a:scrgbClr r="0" g="0" b="0"/>
+      </a:lnRef>
+      <a:fillRef idx="1">
+        <a:scrgbClr r="0" g="0" b="0"/>
+      </a:fillRef>
+      <a:effectRef idx="0">
+        <a:scrgbClr r="0" g="0" b="0"/>
+      </a:effectRef>
+      <a:fontRef idx="minor">
+        <a:schemeClr val="lt1"/>
+      </a:fontRef>
+    </dgm:style>
+  </dgm:styleLbl>
+  <dgm:styleLbl name="asst3">
+    <dgm:scene3d>
+      <a:camera prst="orthographicFront"/>
+      <a:lightRig rig="threePt" dir="t"/>
+    </dgm:scene3d>
+    <dgm:sp3d/>
+    <dgm:txPr/>
+    <dgm:style>
+      <a:lnRef idx="2">
+        <a:scrgbClr r="0" g="0" b="0"/>
+      </a:lnRef>
+      <a:fillRef idx="1">
+        <a:scrgbClr r="0" g="0" b="0"/>
+      </a:fillRef>
+      <a:effectRef idx="0">
+        <a:scrgbClr r="0" g="0" b="0"/>
+      </a:effectRef>
+      <a:fontRef idx="minor">
+        <a:schemeClr val="lt1"/>
+      </a:fontRef>
+    </dgm:style>
+  </dgm:styleLbl>
+  <dgm:styleLbl name="asst4">
+    <dgm:scene3d>
+      <a:camera prst="orthographicFront"/>
+      <a:lightRig rig="threePt" dir="t"/>
+    </dgm:scene3d>
+    <dgm:sp3d/>
+    <dgm:txPr/>
+    <dgm:style>
+      <a:lnRef idx="2">
+        <a:scrgbClr r="0" g="0" b="0"/>
+      </a:lnRef>
+      <a:fillRef idx="1">
+        <a:scrgbClr r="0" g="0" b="0"/>
+      </a:fillRef>
+      <a:effectRef idx="0">
+        <a:scrgbClr r="0" g="0" b="0"/>
+      </a:effectRef>
+      <a:fontRef idx="minor">
+        <a:schemeClr val="lt1"/>
+      </a:fontRef>
+    </dgm:style>
+  </dgm:styleLbl>
+  <dgm:styleLbl name="parChTrans2D1">
+    <dgm:scene3d>
+      <a:camera prst="orthographicFront"/>
+      <a:lightRig rig="threePt" dir="t"/>
+    </dgm:scene3d>
+    <dgm:sp3d/>
+    <dgm:txPr/>
+    <dgm:style>
+      <a:lnRef idx="2">
+        <a:scrgbClr r="0" g="0" b="0"/>
+      </a:lnRef>
+      <a:fillRef idx="1">
+        <a:scrgbClr r="0" g="0" b="0"/>
+      </a:fillRef>
+      <a:effectRef idx="0">
+        <a:scrgbClr r="0" g="0" b="0"/>
+      </a:effectRef>
+      <a:fontRef idx="minor">
+        <a:schemeClr val="lt1"/>
+      </a:fontRef>
+    </dgm:style>
+  </dgm:styleLbl>
+  <dgm:styleLbl name="parChTrans2D2">
+    <dgm:scene3d>
+      <a:camera prst="orthographicFront"/>
+      <a:lightRig rig="threePt" dir="t"/>
+    </dgm:scene3d>
+    <dgm:sp3d/>
+    <dgm:txPr/>
+    <dgm:style>
+      <a:lnRef idx="2">
+        <a:scrgbClr r="0" g="0" b="0"/>
+      </a:lnRef>
+      <a:fillRef idx="1">
+        <a:scrgbClr r="0" g="0" b="0"/>
+      </a:fillRef>
+      <a:effectRef idx="0">
+        <a:scrgbClr r="0" g="0" b="0"/>
+      </a:effectRef>
+      <a:fontRef idx="minor">
+        <a:schemeClr val="lt1"/>
+      </a:fontRef>
+    </dgm:style>
+  </dgm:styleLbl>
+  <dgm:styleLbl name="parChTrans2D3">
+    <dgm:scene3d>
+      <a:camera prst="orthographicFront"/>
+      <a:lightRig rig="threePt" dir="t"/>
+    </dgm:scene3d>
+    <dgm:sp3d/>
+    <dgm:txPr/>
+    <dgm:style>
+      <a:lnRef idx="2">
+        <a:scrgbClr r="0" g="0" b="0"/>
+      </a:lnRef>
+      <a:fillRef idx="1">
+        <a:scrgbClr r="0" g="0" b="0"/>
+      </a:fillRef>
+      <a:effectRef idx="0">
+        <a:scrgbClr r="0" g="0" b="0"/>
+      </a:effectRef>
+      <a:fontRef idx="minor">
+        <a:schemeClr val="lt1"/>
+      </a:fontRef>
+    </dgm:style>
+  </dgm:styleLbl>
+  <dgm:styleLbl name="parChTrans2D4">
+    <dgm:scene3d>
+      <a:camera prst="orthographicFront"/>
+      <a:lightRig rig="threePt" dir="t"/>
+    </dgm:scene3d>
+    <dgm:sp3d/>
+    <dgm:txPr/>
+    <dgm:style>
+      <a:lnRef idx="2">
+        <a:scrgbClr r="0" g="0" b="0"/>
+      </a:lnRef>
+      <a:fillRef idx="1">
+        <a:scrgbClr r="0" g="0" b="0"/>
+      </a:fillRef>
+      <a:effectRef idx="0">
+        <a:scrgbClr r="0" g="0" b="0"/>
+      </a:effectRef>
+      <a:fontRef idx="minor">
+        <a:schemeClr val="lt1"/>
+      </a:fontRef>
+    </dgm:style>
+  </dgm:styleLbl>
+  <dgm:styleLbl name="parChTrans1D1">
+    <dgm:scene3d>
+      <a:camera prst="orthographicFront"/>
+      <a:lightRig rig="threePt" dir="t"/>
+    </dgm:scene3d>
+    <dgm:sp3d/>
+    <dgm:txPr/>
+    <dgm:style>
+      <a:lnRef idx="2">
+        <a:scrgbClr r="0" g="0" b="0"/>
+      </a:lnRef>
+      <a:fillRef idx="0">
+        <a:scrgbClr r="0" g="0" b="0"/>
+      </a:fillRef>
+      <a:effectRef idx="0">
+        <a:scrgbClr r="0" g="0" b="0"/>
+      </a:effectRef>
+      <a:fontRef idx="minor"/>
+    </dgm:style>
+  </dgm:styleLbl>
+  <dgm:styleLbl name="parChTrans1D2">
+    <dgm:scene3d>
+      <a:camera prst="orthographicFront"/>
+      <a:lightRig rig="threePt" dir="t"/>
+    </dgm:scene3d>
+    <dgm:sp3d/>
+    <dgm:txPr/>
+    <dgm:style>
+      <a:lnRef idx="2">
+        <a:scrgbClr r="0" g="0" b="0"/>
+      </a:lnRef>
+      <a:fillRef idx="0">
+        <a:scrgbClr r="0" g="0" b="0"/>
+      </a:fillRef>
+      <a:effectRef idx="0">
+        <a:scrgbClr r="0" g="0" b="0"/>
+      </a:effectRef>
+      <a:fontRef idx="minor"/>
+    </dgm:style>
+  </dgm:styleLbl>
+  <dgm:styleLbl name="parChTrans1D3">
+    <dgm:scene3d>
+      <a:camera prst="orthographicFront"/>
+      <a:lightRig rig="threePt" dir="t"/>
+    </dgm:scene3d>
+    <dgm:sp3d/>
+    <dgm:txPr/>
+    <dgm:style>
+      <a:lnRef idx="2">
+        <a:scrgbClr r="0" g="0" b="0"/>
+      </a:lnRef>
+      <a:fillRef idx="0">
+        <a:scrgbClr r="0" g="0" b="0"/>
+      </a:fillRef>
+      <a:effectRef idx="0">
+        <a:scrgbClr r="0" g="0" b="0"/>
+      </a:effectRef>
+      <a:fontRef idx="minor"/>
+    </dgm:style>
+  </dgm:styleLbl>
+  <dgm:styleLbl name="parChTrans1D4">
+    <dgm:scene3d>
+      <a:camera prst="orthographicFront"/>
+      <a:lightRig rig="threePt" dir="t"/>
+    </dgm:scene3d>
+    <dgm:sp3d/>
+    <dgm:txPr/>
+    <dgm:style>
+      <a:lnRef idx="2">
+        <a:scrgbClr r="0" g="0" b="0"/>
+      </a:lnRef>
+      <a:fillRef idx="0">
+        <a:scrgbClr r="0" g="0" b="0"/>
+      </a:fillRef>
+      <a:effectRef idx="0">
+        <a:scrgbClr r="0" g="0" b="0"/>
+      </a:effectRef>
+      <a:fontRef idx="minor"/>
+    </dgm:style>
+  </dgm:styleLbl>
+  <dgm:styleLbl name="fgAcc1">
+    <dgm:scene3d>
+      <a:camera prst="orthographicFront"/>
+      <a:lightRig rig="threePt" dir="t"/>
+    </dgm:scene3d>
+    <dgm:sp3d/>
+    <dgm:txPr/>
+    <dgm:style>
+      <a:lnRef idx="2">
+        <a:scrgbClr r="0" g="0" b="0"/>
+      </a:lnRef>
+      <a:fillRef idx="1">
+        <a:scrgbClr r="0" g="0" b="0"/>
+      </a:fillRef>
+      <a:effectRef idx="0">
+        <a:scrgbClr r="0" g="0" b="0"/>
+      </a:effectRef>
+      <a:fontRef idx="minor"/>
+    </dgm:style>
+  </dgm:styleLbl>
+  <dgm:styleLbl name="conFgAcc1">
+    <dgm:scene3d>
+      <a:camera prst="orthographicFront"/>
+      <a:lightRig rig="threePt" dir="t"/>
+    </dgm:scene3d>
+    <dgm:sp3d/>
+    <dgm:txPr/>
+    <dgm:style>
+      <a:lnRef idx="2">
+        <a:scrgbClr r="0" g="0" b="0"/>
+      </a:lnRef>
+      <a:fillRef idx="1">
+        <a:scrgbClr r="0" g="0" b="0"/>
+      </a:fillRef>
+      <a:effectRef idx="0">
+        <a:scrgbClr r="0" g="0" b="0"/>
+      </a:effectRef>
+      <a:fontRef idx="minor"/>
+    </dgm:style>
+  </dgm:styleLbl>
+  <dgm:styleLbl name="alignAcc1">
+    <dgm:scene3d>
+      <a:camera prst="orthographicFront"/>
+      <a:lightRig rig="threePt" dir="t"/>
+    </dgm:scene3d>
+    <dgm:sp3d/>
+    <dgm:txPr/>
+    <dgm:style>
+      <a:lnRef idx="2">
+        <a:scrgbClr r="0" g="0" b="0"/>
+      </a:lnRef>
+      <a:fillRef idx="1">
+        <a:scrgbClr r="0" g="0" b="0"/>
+      </a:fillRef>
+      <a:effectRef idx="0">
+        <a:scrgbClr r="0" g="0" b="0"/>
+      </a:effectRef>
+      <a:fontRef idx="minor"/>
+    </dgm:style>
+  </dgm:styleLbl>
+  <dgm:styleLbl name="trAlignAcc1">
+    <dgm:scene3d>
+      <a:camera prst="orthographicFront"/>
+      <a:lightRig rig="threePt" dir="t"/>
+    </dgm:scene3d>
+    <dgm:sp3d/>
+    <dgm:txPr/>
+    <dgm:style>
+      <a:lnRef idx="1">
+        <a:scrgbClr r="0" g="0" b="0"/>
+      </a:lnRef>
+      <a:fillRef idx="1">
+        <a:scrgbClr r="0" g="0" b="0"/>
+      </a:fillRef>
+      <a:effectRef idx="0">
+        <a:scrgbClr r="0" g="0" b="0"/>
+      </a:effectRef>
+      <a:fontRef idx="minor"/>
+    </dgm:style>
+  </dgm:styleLbl>
+  <dgm:styleLbl name="bgAcc1">
+    <dgm:scene3d>
+      <a:camera prst="orthographicFront"/>
+      <a:lightRig rig="threePt" dir="t"/>
+    </dgm:scene3d>
+    <dgm:sp3d/>
+    <dgm:txPr/>
+    <dgm:style>
+      <a:lnRef idx="2">
+        <a:scrgbClr r="0" g="0" b="0"/>
+      </a:lnRef>
+      <a:fillRef idx="1">
+        <a:scrgbClr r="0" g="0" b="0"/>
+      </a:fillRef>
+      <a:effectRef idx="0">
+        <a:scrgbClr r="0" g="0" b="0"/>
+      </a:effectRef>
+      <a:fontRef idx="minor"/>
+    </dgm:style>
+  </dgm:styleLbl>
+  <dgm:styleLbl name="solidFgAcc1">
+    <dgm:scene3d>
+      <a:camera prst="orthographicFront"/>
+      <a:lightRig rig="threePt" dir="t"/>
+    </dgm:scene3d>
+    <dgm:sp3d/>
+    <dgm:txPr/>
+    <dgm:style>
+      <a:lnRef idx="2">
+        <a:scrgbClr r="0" g="0" b="0"/>
+      </a:lnRef>
+      <a:fillRef idx="1">
+        <a:scrgbClr r="0" g="0" b="0"/>
+      </a:fillRef>
+      <a:effectRef idx="0">
+        <a:scrgbClr r="0" g="0" b="0"/>
+      </a:effectRef>
+      <a:fontRef idx="minor"/>
+    </dgm:style>
+  </dgm:styleLbl>
+  <dgm:styleLbl name="solidAlignAcc1">
+    <dgm:scene3d>
+      <a:camera prst="orthographicFront"/>
+      <a:lightRig rig="threePt" dir="t"/>
+    </dgm:scene3d>
+    <dgm:sp3d/>
+    <dgm:txPr/>
+    <dgm:style>
+      <a:lnRef idx="2">
+        <a:scrgbClr r="0" g="0" b="0"/>
+      </a:lnRef>
+      <a:fillRef idx="1">
+        <a:scrgbClr r="0" g="0" b="0"/>
+      </a:fillRef>
+      <a:effectRef idx="0">
+        <a:scrgbClr r="0" g="0" b="0"/>
+      </a:effectRef>
+      <a:fontRef idx="minor"/>
+    </dgm:style>
+  </dgm:styleLbl>
+  <dgm:styleLbl name="solidBgAcc1">
+    <dgm:scene3d>
+      <a:camera prst="orthographicFront"/>
+      <a:lightRig rig="threePt" dir="t"/>
+    </dgm:scene3d>
+    <dgm:sp3d/>
+    <dgm:txPr/>
+    <dgm:style>
+      <a:lnRef idx="2">
+        <a:scrgbClr r="0" g="0" b="0"/>
+      </a:lnRef>
+      <a:fillRef idx="1">
+        <a:scrgbClr r="0" g="0" b="0"/>
+      </a:fillRef>
+      <a:effectRef idx="0">
+        <a:scrgbClr r="0" g="0" b="0"/>
+      </a:effectRef>
+      <a:fontRef idx="minor"/>
+    </dgm:style>
+  </dgm:styleLbl>
+  <dgm:styleLbl name="fgAccFollowNode1">
+    <dgm:scene3d>
+      <a:camera prst="orthographicFront"/>
+      <a:lightRig rig="threePt" dir="t"/>
+    </dgm:scene3d>
+    <dgm:sp3d/>
+    <dgm:txPr/>
+    <dgm:style>
+      <a:lnRef idx="2">
+        <a:scrgbClr r="0" g="0" b="0"/>
+      </a:lnRef>
+      <a:fillRef idx="1">
+        <a:scrgbClr r="0" g="0" b="0"/>
+      </a:fillRef>
+      <a:effectRef idx="0">
+        <a:scrgbClr r="0" g="0" b="0"/>
+      </a:effectRef>
+      <a:fontRef idx="minor"/>
+    </dgm:style>
+  </dgm:styleLbl>
+  <dgm:styleLbl name="alignAccFollowNode1">
+    <dgm:scene3d>
+      <a:camera prst="orthographicFront"/>
+      <a:lightRig rig="threePt" dir="t"/>
+    </dgm:scene3d>
+    <dgm:sp3d/>
+    <dgm:txPr/>
+    <dgm:style>
+      <a:lnRef idx="2">
+        <a:scrgbClr r="0" g="0" b="0"/>
+      </a:lnRef>
+      <a:fillRef idx="1">
+        <a:scrgbClr r="0" g="0" b="0"/>
+      </a:fillRef>
+      <a:effectRef idx="0">
+        <a:scrgbClr r="0" g="0" b="0"/>
+      </a:effectRef>
+      <a:fontRef idx="minor"/>
+    </dgm:style>
+  </dgm:styleLbl>
+  <dgm:styleLbl name="bgAccFollowNode1">
+    <dgm:scene3d>
+      <a:camera prst="orthographicFront"/>
+      <a:lightRig rig="threePt" dir="t"/>
+    </dgm:scene3d>
+    <dgm:sp3d/>
+    <dgm:txPr/>
+    <dgm:style>
+      <a:lnRef idx="2">
+        <a:scrgbClr r="0" g="0" b="0"/>
+      </a:lnRef>
+      <a:fillRef idx="1">
+        <a:scrgbClr r="0" g="0" b="0"/>
+      </a:fillRef>
+      <a:effectRef idx="0">
+        <a:scrgbClr r="0" g="0" b="0"/>
+      </a:effectRef>
+      <a:fontRef idx="minor"/>
+    </dgm:style>
+  </dgm:styleLbl>
+  <dgm:styleLbl name="fgAcc0">
+    <dgm:scene3d>
+      <a:camera prst="orthographicFront"/>
+      <a:lightRig rig="threePt" dir="t"/>
+    </dgm:scene3d>
+    <dgm:sp3d/>
+    <dgm:txPr/>
+    <dgm:style>
+      <a:lnRef idx="2">
+        <a:scrgbClr r="0" g="0" b="0"/>
+      </a:lnRef>
+      <a:fillRef idx="1">
+        <a:scrgbClr r="0" g="0" b="0"/>
+      </a:fillRef>
+      <a:effectRef idx="0">
+        <a:scrgbClr r="0" g="0" b="0"/>
+      </a:effectRef>
+      <a:fontRef idx="minor"/>
+    </dgm:style>
+  </dgm:styleLbl>
+  <dgm:styleLbl name="fgAcc2">
+    <dgm:scene3d>
+      <a:camera prst="orthographicFront"/>
+      <a:lightRig rig="threePt" dir="t"/>
+    </dgm:scene3d>
+    <dgm:sp3d/>
+    <dgm:txPr/>
+    <dgm:style>
+      <a:lnRef idx="2">
+        <a:scrgbClr r="0" g="0" b="0"/>
+      </a:lnRef>
+      <a:fillRef idx="1">
+        <a:scrgbClr r="0" g="0" b="0"/>
+      </a:fillRef>
+      <a:effectRef idx="0">
+        <a:scrgbClr r="0" g="0" b="0"/>
+      </a:effectRef>
+      <a:fontRef idx="minor"/>
+    </dgm:style>
+  </dgm:styleLbl>
+  <dgm:styleLbl name="fgAcc3">
+    <dgm:scene3d>
+      <a:camera prst="orthographicFront"/>
+      <a:lightRig rig="threePt" dir="t"/>
+    </dgm:scene3d>
+    <dgm:sp3d/>
+    <dgm:txPr/>
+    <dgm:style>
+      <a:lnRef idx="2">
+        <a:scrgbClr r="0" g="0" b="0"/>
+      </a:lnRef>
+      <a:fillRef idx="1">
+        <a:scrgbClr r="0" g="0" b="0"/>
+      </a:fillRef>
+      <a:effectRef idx="0">
+        <a:scrgbClr r="0" g="0" b="0"/>
+      </a:effectRef>
+      <a:fontRef idx="minor"/>
+    </dgm:style>
+  </dgm:styleLbl>
+  <dgm:styleLbl name="fgAcc4">
+    <dgm:scene3d>
+      <a:camera prst="orthographicFront"/>
+      <a:lightRig rig="threePt" dir="t"/>
+    </dgm:scene3d>
+    <dgm:sp3d/>
+    <dgm:txPr/>
+    <dgm:style>
+      <a:lnRef idx="2">
+        <a:scrgbClr r="0" g="0" b="0"/>
+      </a:lnRef>
+      <a:fillRef idx="1">
+        <a:scrgbClr r="0" g="0" b="0"/>
+      </a:fillRef>
+      <a:effectRef idx="0">
+        <a:scrgbClr r="0" g="0" b="0"/>
+      </a:effectRef>
+      <a:fontRef idx="minor"/>
+    </dgm:style>
+  </dgm:styleLbl>
+  <dgm:styleLbl name="bgShp">
+    <dgm:scene3d>
+      <a:camera prst="orthographicFront"/>
+      <a:lightRig rig="threePt" dir="t"/>
+    </dgm:scene3d>
+    <dgm:sp3d/>
+    <dgm:txPr/>
+    <dgm:style>
+      <a:lnRef idx="0">
+        <a:scrgbClr r="0" g="0" b="0"/>
+      </a:lnRef>
+      <a:fillRef idx="1">
+        <a:scrgbClr r="0" g="0" b="0"/>
+      </a:fillRef>
+      <a:effectRef idx="0">
+        <a:scrgbClr r="0" g="0" b="0"/>
+      </a:effectRef>
+      <a:fontRef idx="minor"/>
+    </dgm:style>
+  </dgm:styleLbl>
+  <dgm:styleLbl name="dkBgShp">
+    <dgm:scene3d>
+      <a:camera prst="orthographicFront"/>
+      <a:lightRig rig="threePt" dir="t"/>
+    </dgm:scene3d>
+    <dgm:sp3d/>
+    <dgm:txPr/>
+    <dgm:style>
+      <a:lnRef idx="0">
+        <a:scrgbClr r="0" g="0" b="0"/>
+      </a:lnRef>
+      <a:fillRef idx="1">
+        <a:scrgbClr r="0" g="0" b="0"/>
+      </a:fillRef>
+      <a:effectRef idx="0">
+        <a:scrgbClr r="0" g="0" b="0"/>
+      </a:effectRef>
+      <a:fontRef idx="minor"/>
+    </dgm:style>
+  </dgm:styleLbl>
+  <dgm:styleLbl name="trBgShp">
+    <dgm:scene3d>
+      <a:camera prst="orthographicFront"/>
+      <a:lightRig rig="threePt" dir="t"/>
+    </dgm:scene3d>
+    <dgm:sp3d/>
+    <dgm:txPr/>
+    <dgm:style>
+      <a:lnRef idx="0">
+        <a:scrgbClr r="0" g="0" b="0"/>
+      </a:lnRef>
+      <a:fillRef idx="1">
+        <a:scrgbClr r="0" g="0" b="0"/>
+      </a:fillRef>
+      <a:effectRef idx="0">
+        <a:scrgbClr r="0" g="0" b="0"/>
+      </a:effectRef>
+      <a:fontRef idx="minor"/>
+    </dgm:style>
+  </dgm:styleLbl>
+  <dgm:styleLbl name="fgShp">
+    <dgm:scene3d>
+      <a:camera prst="orthographicFront"/>
+      <a:lightRig rig="threePt" dir="t"/>
+    </dgm:scene3d>
+    <dgm:sp3d/>
+    <dgm:txPr/>
+    <dgm:style>
+      <a:lnRef idx="2">
+        <a:scrgbClr r="0" g="0" b="0"/>
+      </a:lnRef>
+      <a:fillRef idx="1">
+        <a:scrgbClr r="0" g="0" b="0"/>
+      </a:fillRef>
+      <a:effectRef idx="0">
+        <a:scrgbClr r="0" g="0" b="0"/>
+      </a:effectRef>
+      <a:fontRef idx="minor"/>
+    </dgm:style>
+  </dgm:styleLbl>
+  <dgm:styleLbl name="revTx">
+    <dgm:scene3d>
+      <a:camera prst="orthographicFront"/>
+      <a:lightRig rig="threePt" dir="t"/>
+    </dgm:scene3d>
+    <dgm:sp3d/>
+    <dgm:txPr/>
+    <dgm:style>
+      <a:lnRef idx="0">
+        <a:scrgbClr r="0" g="0" b="0"/>
+      </a:lnRef>
+      <a:fillRef idx="0">
+        <a:scrgbClr r="0" g="0" b="0"/>
+      </a:fillRef>
+      <a:effectRef idx="0">
+        <a:scrgbClr r="0" g="0" b="0"/>
+      </a:effectRef>
+      <a:fontRef idx="minor"/>
+    </dgm:style>
+  </dgm:styleLbl>
+</dgm:styleDef>
+</file>
+
+<file path=ppt/diagrams/quickStyle3.xml><?xml version="1.0" encoding="utf-8"?>
 <dgm:styleDef xmlns:dgm="http://schemas.openxmlformats.org/drawingml/2006/diagram" xmlns:a="http://schemas.openxmlformats.org/drawingml/2006/main" uniqueId="urn:microsoft.com/office/officeart/2005/8/quickstyle/simple1">
   <dgm:title val=""/>
   <dgm:desc val=""/>
@@ -9433,7 +12226,7 @@
           <a:bodyPr/>
           <a:lstStyle/>
           <a:p>
-            <a:endParaRPr lang="en-MY"/>
+            <a:endParaRPr lang="en-MY" dirty="0"/>
           </a:p>
         </p:txBody>
       </p:sp>
@@ -9701,6 +12494,277 @@
     <p:extLst>
       <p:ext uri="{BB962C8B-B14F-4D97-AF65-F5344CB8AC3E}">
         <p14:creationId xmlns:p14="http://schemas.microsoft.com/office/powerpoint/2010/main" val="2871384607"/>
+      </p:ext>
+    </p:extLst>
+  </p:cSld>
+  <p:clrMapOvr>
+    <a:masterClrMapping/>
+  </p:clrMapOvr>
+</p:sld>
+</file>
+
+<file path=ppt/slides/slide4.xml><?xml version="1.0" encoding="utf-8"?>
+<p:sld xmlns:a="http://schemas.openxmlformats.org/drawingml/2006/main" xmlns:r="http://schemas.openxmlformats.org/officeDocument/2006/relationships" xmlns:p="http://schemas.openxmlformats.org/presentationml/2006/main">
+  <p:cSld>
+    <p:spTree>
+      <p:nvGrpSpPr>
+        <p:cNvPr id="1" name=""/>
+        <p:cNvGrpSpPr/>
+        <p:nvPr/>
+      </p:nvGrpSpPr>
+      <p:grpSpPr>
+        <a:xfrm>
+          <a:off x="0" y="0"/>
+          <a:ext cx="0" cy="0"/>
+          <a:chOff x="0" y="0"/>
+          <a:chExt cx="0" cy="0"/>
+        </a:xfrm>
+      </p:grpSpPr>
+      <p:sp>
+        <p:nvSpPr>
+          <p:cNvPr id="2" name="Title 1">
+            <a:extLst>
+              <a:ext uri="{FF2B5EF4-FFF2-40B4-BE49-F238E27FC236}">
+                <a16:creationId xmlns:a16="http://schemas.microsoft.com/office/drawing/2014/main" id="{5B794516-49E8-4D97-967E-F3B666E27939}"/>
+              </a:ext>
+            </a:extLst>
+          </p:cNvPr>
+          <p:cNvSpPr>
+            <a:spLocks noGrp="1"/>
+          </p:cNvSpPr>
+          <p:nvPr>
+            <p:ph type="title"/>
+          </p:nvPr>
+        </p:nvSpPr>
+        <p:spPr/>
+        <p:txBody>
+          <a:bodyPr/>
+          <a:lstStyle/>
+          <a:p>
+            <a:r>
+              <a:rPr lang="en-MY" dirty="0"/>
+              <a:t>Roles (5 </a:t>
+            </a:r>
+            <a:r>
+              <a:rPr lang="en-MY" dirty="0" err="1"/>
+              <a:t>swimlanes</a:t>
+            </a:r>
+            <a:r>
+              <a:rPr lang="en-MY" dirty="0"/>
+              <a:t>)</a:t>
+            </a:r>
+          </a:p>
+        </p:txBody>
+      </p:sp>
+      <p:sp>
+        <p:nvSpPr>
+          <p:cNvPr id="3" name="Content Placeholder 2">
+            <a:extLst>
+              <a:ext uri="{FF2B5EF4-FFF2-40B4-BE49-F238E27FC236}">
+                <a16:creationId xmlns:a16="http://schemas.microsoft.com/office/drawing/2014/main" id="{F649B670-474C-4BA7-B9C4-75C96F43420D}"/>
+              </a:ext>
+            </a:extLst>
+          </p:cNvPr>
+          <p:cNvSpPr>
+            <a:spLocks noGrp="1"/>
+          </p:cNvSpPr>
+          <p:nvPr>
+            <p:ph idx="1"/>
+          </p:nvPr>
+        </p:nvSpPr>
+        <p:spPr/>
+        <p:txBody>
+          <a:bodyPr/>
+          <a:lstStyle/>
+          <a:p>
+            <a:r>
+              <a:rPr lang="en-MY" dirty="0"/>
+              <a:t>User/Visitor</a:t>
+            </a:r>
+          </a:p>
+          <a:p>
+            <a:r>
+              <a:rPr lang="en-MY" dirty="0"/>
+              <a:t>Security (blacklist)</a:t>
+            </a:r>
+          </a:p>
+          <a:p>
+            <a:r>
+              <a:rPr lang="en-MY" dirty="0"/>
+              <a:t>Manager</a:t>
+            </a:r>
+          </a:p>
+          <a:p>
+            <a:r>
+              <a:rPr lang="en-MY" dirty="0"/>
+              <a:t>System stakeholder (company)</a:t>
+            </a:r>
+          </a:p>
+          <a:p>
+            <a:r>
+              <a:rPr lang="en-MY" dirty="0"/>
+              <a:t>Recipients</a:t>
+            </a:r>
+          </a:p>
+        </p:txBody>
+      </p:sp>
+      <p:graphicFrame>
+        <p:nvGraphicFramePr>
+          <p:cNvPr id="7" name="Content Placeholder 3">
+            <a:extLst>
+              <a:ext uri="{FF2B5EF4-FFF2-40B4-BE49-F238E27FC236}">
+                <a16:creationId xmlns:a16="http://schemas.microsoft.com/office/drawing/2014/main" id="{4F72D341-8AAD-4486-B522-F229A8E0FBC2}"/>
+              </a:ext>
+            </a:extLst>
+          </p:cNvPr>
+          <p:cNvGraphicFramePr>
+            <a:graphicFrameLocks/>
+          </p:cNvGraphicFramePr>
+          <p:nvPr>
+            <p:extLst>
+              <p:ext uri="{D42A27DB-BD31-4B8C-83A1-F6EECF244321}">
+                <p14:modId xmlns:p14="http://schemas.microsoft.com/office/powerpoint/2010/main" val="3032144352"/>
+              </p:ext>
+            </p:extLst>
+          </p:nvPr>
+        </p:nvGraphicFramePr>
+        <p:xfrm>
+          <a:off x="838200" y="3429000"/>
+          <a:ext cx="10515600" cy="4351338"/>
+        </p:xfrm>
+        <a:graphic>
+          <a:graphicData uri="http://schemas.openxmlformats.org/drawingml/2006/diagram">
+            <dgm:relIds xmlns:dgm="http://schemas.openxmlformats.org/drawingml/2006/diagram" xmlns:r="http://schemas.openxmlformats.org/officeDocument/2006/relationships" r:dm="rId2" r:lo="rId3" r:qs="rId4" r:cs="rId5"/>
+          </a:graphicData>
+        </a:graphic>
+      </p:graphicFrame>
+      <p:sp>
+        <p:nvSpPr>
+          <p:cNvPr id="8" name="TextBox 7">
+            <a:extLst>
+              <a:ext uri="{FF2B5EF4-FFF2-40B4-BE49-F238E27FC236}">
+                <a16:creationId xmlns:a16="http://schemas.microsoft.com/office/drawing/2014/main" id="{C0DFA4FE-5551-49CF-8ECF-FB50AC8E1AD1}"/>
+              </a:ext>
+            </a:extLst>
+          </p:cNvPr>
+          <p:cNvSpPr txBox="1"/>
+          <p:nvPr/>
+        </p:nvSpPr>
+        <p:spPr>
+          <a:xfrm>
+            <a:off x="9997846" y="3816628"/>
+            <a:ext cx="535724" cy="369332"/>
+          </a:xfrm>
+          <a:prstGeom prst="rect">
+            <a:avLst/>
+          </a:prstGeom>
+          <a:solidFill>
+            <a:schemeClr val="accent1"/>
+          </a:solidFill>
+        </p:spPr>
+        <p:txBody>
+          <a:bodyPr wrap="none" rtlCol="0">
+            <a:spAutoFit/>
+          </a:bodyPr>
+          <a:lstStyle/>
+          <a:p>
+            <a:r>
+              <a:rPr lang="en-MY" dirty="0"/>
+              <a:t>GUI</a:t>
+            </a:r>
+          </a:p>
+        </p:txBody>
+      </p:sp>
+    </p:spTree>
+    <p:extLst>
+      <p:ext uri="{BB962C8B-B14F-4D97-AF65-F5344CB8AC3E}">
+        <p14:creationId xmlns:p14="http://schemas.microsoft.com/office/powerpoint/2010/main" val="453077425"/>
+      </p:ext>
+    </p:extLst>
+  </p:cSld>
+  <p:clrMapOvr>
+    <a:masterClrMapping/>
+  </p:clrMapOvr>
+</p:sld>
+</file>
+
+<file path=ppt/slides/slide5.xml><?xml version="1.0" encoding="utf-8"?>
+<p:sld xmlns:a="http://schemas.openxmlformats.org/drawingml/2006/main" xmlns:r="http://schemas.openxmlformats.org/officeDocument/2006/relationships" xmlns:p="http://schemas.openxmlformats.org/presentationml/2006/main">
+  <p:cSld>
+    <p:spTree>
+      <p:nvGrpSpPr>
+        <p:cNvPr id="1" name=""/>
+        <p:cNvGrpSpPr/>
+        <p:nvPr/>
+      </p:nvGrpSpPr>
+      <p:grpSpPr>
+        <a:xfrm>
+          <a:off x="0" y="0"/>
+          <a:ext cx="0" cy="0"/>
+          <a:chOff x="0" y="0"/>
+          <a:chExt cx="0" cy="0"/>
+        </a:xfrm>
+      </p:grpSpPr>
+      <p:sp>
+        <p:nvSpPr>
+          <p:cNvPr id="2" name="Title 1">
+            <a:extLst>
+              <a:ext uri="{FF2B5EF4-FFF2-40B4-BE49-F238E27FC236}">
+                <a16:creationId xmlns:a16="http://schemas.microsoft.com/office/drawing/2014/main" id="{9B0D454A-9022-4A43-89C7-B7AEB05047BF}"/>
+              </a:ext>
+            </a:extLst>
+          </p:cNvPr>
+          <p:cNvSpPr>
+            <a:spLocks noGrp="1"/>
+          </p:cNvSpPr>
+          <p:nvPr>
+            <p:ph type="title"/>
+          </p:nvPr>
+        </p:nvSpPr>
+        <p:spPr/>
+        <p:txBody>
+          <a:bodyPr/>
+          <a:lstStyle/>
+          <a:p>
+            <a:r>
+              <a:rPr lang="en-MY" dirty="0"/>
+              <a:t>Development</a:t>
+            </a:r>
+          </a:p>
+        </p:txBody>
+      </p:sp>
+      <p:sp>
+        <p:nvSpPr>
+          <p:cNvPr id="3" name="Content Placeholder 2">
+            <a:extLst>
+              <a:ext uri="{FF2B5EF4-FFF2-40B4-BE49-F238E27FC236}">
+                <a16:creationId xmlns:a16="http://schemas.microsoft.com/office/drawing/2014/main" id="{22DECEA5-4F55-4EC0-8A04-6A304CF05A2C}"/>
+              </a:ext>
+            </a:extLst>
+          </p:cNvPr>
+          <p:cNvSpPr>
+            <a:spLocks noGrp="1"/>
+          </p:cNvSpPr>
+          <p:nvPr>
+            <p:ph idx="1"/>
+          </p:nvPr>
+        </p:nvSpPr>
+        <p:spPr/>
+        <p:txBody>
+          <a:bodyPr/>
+          <a:lstStyle/>
+          <a:p>
+            <a:r>
+              <a:rPr lang="en-MY" dirty="0"/>
+              <a:t>Treat blacklisted person differently. Need to define the email list/contact list</a:t>
+            </a:r>
+          </a:p>
+        </p:txBody>
+      </p:sp>
+    </p:spTree>
+    <p:extLst>
+      <p:ext uri="{BB962C8B-B14F-4D97-AF65-F5344CB8AC3E}">
+        <p14:creationId xmlns:p14="http://schemas.microsoft.com/office/powerpoint/2010/main" val="1162099859"/>
       </p:ext>
     </p:extLst>
   </p:cSld>

--- a/Temperature Screening IPA.pptx
+++ b/Temperature Screening IPA.pptx
@@ -10,6 +10,11 @@
     <p:sldId id="258" r:id="rId4"/>
     <p:sldId id="259" r:id="rId5"/>
     <p:sldId id="260" r:id="rId6"/>
+    <p:sldId id="261" r:id="rId7"/>
+    <p:sldId id="262" r:id="rId8"/>
+    <p:sldId id="263" r:id="rId9"/>
+    <p:sldId id="264" r:id="rId10"/>
+    <p:sldId id="265" r:id="rId11"/>
   </p:sldIdLst>
   <p:sldSz cx="12192000" cy="6858000"/>
   <p:notesSz cx="6858000" cy="9144000"/>
@@ -108,6 +113,11 @@
       </a:defRPr>
     </a:lvl9pPr>
   </p:defaultTextStyle>
+  <p:extLst>
+    <p:ext uri="{EFAFB233-063F-42B5-8137-9DF3F51BA10A}">
+      <p15:sldGuideLst xmlns:p15="http://schemas.microsoft.com/office/powerpoint/2012/main"/>
+    </p:ext>
+  </p:extLst>
 </p:presentation>
 </file>
 
@@ -12226,6 +12236,154 @@
           <a:bodyPr/>
           <a:lstStyle/>
           <a:p>
+            <a:endParaRPr lang="en-MY"/>
+          </a:p>
+        </p:txBody>
+      </p:sp>
+    </p:spTree>
+    <p:extLst>
+      <p:ext uri="{BB962C8B-B14F-4D97-AF65-F5344CB8AC3E}">
+        <p14:creationId xmlns:p14="http://schemas.microsoft.com/office/powerpoint/2010/main" val="2998164937"/>
+      </p:ext>
+    </p:extLst>
+  </p:cSld>
+  <p:clrMapOvr>
+    <a:masterClrMapping/>
+  </p:clrMapOvr>
+</p:sld>
+</file>
+
+<file path=ppt/slides/slide10.xml><?xml version="1.0" encoding="utf-8"?>
+<p:sld xmlns:a="http://schemas.openxmlformats.org/drawingml/2006/main" xmlns:r="http://schemas.openxmlformats.org/officeDocument/2006/relationships" xmlns:p="http://schemas.openxmlformats.org/presentationml/2006/main">
+  <p:cSld>
+    <p:spTree>
+      <p:nvGrpSpPr>
+        <p:cNvPr id="1" name=""/>
+        <p:cNvGrpSpPr/>
+        <p:nvPr/>
+      </p:nvGrpSpPr>
+      <p:grpSpPr>
+        <a:xfrm>
+          <a:off x="0" y="0"/>
+          <a:ext cx="0" cy="0"/>
+          <a:chOff x="0" y="0"/>
+          <a:chExt cx="0" cy="0"/>
+        </a:xfrm>
+      </p:grpSpPr>
+      <p:sp>
+        <p:nvSpPr>
+          <p:cNvPr id="2" name="Title 1">
+            <a:extLst>
+              <a:ext uri="{FF2B5EF4-FFF2-40B4-BE49-F238E27FC236}">
+                <a16:creationId xmlns:a16="http://schemas.microsoft.com/office/drawing/2014/main" id="{C1137CAC-2D86-4E82-9EE7-D3EAC922EFBA}"/>
+              </a:ext>
+            </a:extLst>
+          </p:cNvPr>
+          <p:cNvSpPr>
+            <a:spLocks noGrp="1"/>
+          </p:cNvSpPr>
+          <p:nvPr>
+            <p:ph type="title"/>
+          </p:nvPr>
+        </p:nvSpPr>
+        <p:spPr/>
+        <p:txBody>
+          <a:bodyPr/>
+          <a:lstStyle/>
+          <a:p>
+            <a:r>
+              <a:rPr lang="en-MY" dirty="0"/>
+              <a:t>RPA</a:t>
+            </a:r>
+          </a:p>
+        </p:txBody>
+      </p:sp>
+      <p:sp>
+        <p:nvSpPr>
+          <p:cNvPr id="3" name="Content Placeholder 2">
+            <a:extLst>
+              <a:ext uri="{FF2B5EF4-FFF2-40B4-BE49-F238E27FC236}">
+                <a16:creationId xmlns:a16="http://schemas.microsoft.com/office/drawing/2014/main" id="{C1C7EAE2-C6F7-4268-8149-8ECE157CA2F3}"/>
+              </a:ext>
+            </a:extLst>
+          </p:cNvPr>
+          <p:cNvSpPr>
+            <a:spLocks noGrp="1"/>
+          </p:cNvSpPr>
+          <p:nvPr>
+            <p:ph idx="1"/>
+          </p:nvPr>
+        </p:nvSpPr>
+        <p:spPr/>
+        <p:txBody>
+          <a:bodyPr>
+            <a:normAutofit lnSpcReduction="10000"/>
+          </a:bodyPr>
+          <a:lstStyle/>
+          <a:p>
+            <a:r>
+              <a:rPr lang="en-MY" dirty="0"/>
+              <a:t>The RPA is implemented using </a:t>
+            </a:r>
+            <a:r>
+              <a:rPr lang="en-MY" dirty="0" err="1"/>
+              <a:t>UIPath</a:t>
+            </a:r>
+            <a:endParaRPr lang="en-MY" dirty="0"/>
+          </a:p>
+          <a:p>
+            <a:r>
+              <a:rPr lang="en-MY" dirty="0"/>
+              <a:t>The RPA replace the need in starting camera and temperature taking software. This is done by keyboard control feature at the </a:t>
+            </a:r>
+            <a:r>
+              <a:rPr lang="en-MY" dirty="0" err="1"/>
+              <a:t>startup</a:t>
+            </a:r>
+            <a:r>
+              <a:rPr lang="en-MY" dirty="0"/>
+              <a:t>.</a:t>
+            </a:r>
+          </a:p>
+          <a:p>
+            <a:r>
+              <a:rPr lang="en-MY" dirty="0"/>
+              <a:t>The </a:t>
+            </a:r>
+            <a:r>
+              <a:rPr lang="en-MY" dirty="0" err="1"/>
+              <a:t>Face_recognition</a:t>
+            </a:r>
+            <a:r>
+              <a:rPr lang="en-MY" dirty="0"/>
+              <a:t> and temperature taking script will be always running.</a:t>
+            </a:r>
+          </a:p>
+          <a:p>
+            <a:r>
+              <a:rPr lang="en-MY" dirty="0"/>
+              <a:t>Hence, the RPA is observing the alert.csv in an infinite loop.</a:t>
+            </a:r>
+          </a:p>
+          <a:p>
+            <a:r>
+              <a:rPr lang="en-MY" dirty="0"/>
+              <a:t>In this version, RPA will send email if the person is having alert=1 or alert=2. The message will be the name and temperature for alert=1 and the blacklisted person showing up for the case of alert=2.</a:t>
+            </a:r>
+          </a:p>
+          <a:p>
+            <a:r>
+              <a:rPr lang="en-MY" dirty="0"/>
+              <a:t>Emails are sent thru smtp method using </a:t>
+            </a:r>
+            <a:r>
+              <a:rPr lang="en-MY" dirty="0" err="1"/>
+              <a:t>gmail</a:t>
+            </a:r>
+            <a:r>
+              <a:rPr lang="en-MY"/>
+              <a:t> account.</a:t>
+            </a:r>
             <a:endParaRPr lang="en-MY" dirty="0"/>
           </a:p>
         </p:txBody>
@@ -12233,7 +12391,7 @@
     </p:spTree>
     <p:extLst>
       <p:ext uri="{BB962C8B-B14F-4D97-AF65-F5344CB8AC3E}">
-        <p14:creationId xmlns:p14="http://schemas.microsoft.com/office/powerpoint/2010/main" val="2998164937"/>
+        <p14:creationId xmlns:p14="http://schemas.microsoft.com/office/powerpoint/2010/main" val="3223401367"/>
       </p:ext>
     </p:extLst>
   </p:cSld>
@@ -12774,6 +12932,1572 @@
 </p:sld>
 </file>
 
+<file path=ppt/slides/slide6.xml><?xml version="1.0" encoding="utf-8"?>
+<p:sld xmlns:a="http://schemas.openxmlformats.org/drawingml/2006/main" xmlns:r="http://schemas.openxmlformats.org/officeDocument/2006/relationships" xmlns:p="http://schemas.openxmlformats.org/presentationml/2006/main">
+  <p:cSld>
+    <p:spTree>
+      <p:nvGrpSpPr>
+        <p:cNvPr id="1" name=""/>
+        <p:cNvGrpSpPr/>
+        <p:nvPr/>
+      </p:nvGrpSpPr>
+      <p:grpSpPr>
+        <a:xfrm>
+          <a:off x="0" y="0"/>
+          <a:ext cx="0" cy="0"/>
+          <a:chOff x="0" y="0"/>
+          <a:chExt cx="0" cy="0"/>
+        </a:xfrm>
+      </p:grpSpPr>
+      <p:sp>
+        <p:nvSpPr>
+          <p:cNvPr id="2" name="Title 1">
+            <a:extLst>
+              <a:ext uri="{FF2B5EF4-FFF2-40B4-BE49-F238E27FC236}">
+                <a16:creationId xmlns:a16="http://schemas.microsoft.com/office/drawing/2014/main" id="{94759DFC-67C7-4679-916B-8DF94084ED9A}"/>
+              </a:ext>
+            </a:extLst>
+          </p:cNvPr>
+          <p:cNvSpPr>
+            <a:spLocks noGrp="1"/>
+          </p:cNvSpPr>
+          <p:nvPr>
+            <p:ph type="title"/>
+          </p:nvPr>
+        </p:nvSpPr>
+        <p:spPr/>
+        <p:txBody>
+          <a:bodyPr/>
+          <a:lstStyle/>
+          <a:p>
+            <a:r>
+              <a:rPr lang="en-MY" dirty="0"/>
+              <a:t>IPA – </a:t>
+            </a:r>
+            <a:r>
+              <a:rPr lang="en-MY" dirty="0" err="1"/>
+              <a:t>Face_Recognition</a:t>
+            </a:r>
+            <a:endParaRPr lang="en-MY" dirty="0"/>
+          </a:p>
+        </p:txBody>
+      </p:sp>
+      <p:sp>
+        <p:nvSpPr>
+          <p:cNvPr id="3" name="Content Placeholder 2">
+            <a:extLst>
+              <a:ext uri="{FF2B5EF4-FFF2-40B4-BE49-F238E27FC236}">
+                <a16:creationId xmlns:a16="http://schemas.microsoft.com/office/drawing/2014/main" id="{66607E2A-0659-460B-9268-EBEBD617C754}"/>
+              </a:ext>
+            </a:extLst>
+          </p:cNvPr>
+          <p:cNvSpPr>
+            <a:spLocks noGrp="1"/>
+          </p:cNvSpPr>
+          <p:nvPr>
+            <p:ph idx="1"/>
+          </p:nvPr>
+        </p:nvSpPr>
+        <p:spPr/>
+        <p:txBody>
+          <a:bodyPr>
+            <a:normAutofit fontScale="92500"/>
+          </a:bodyPr>
+          <a:lstStyle/>
+          <a:p>
+            <a:r>
+              <a:rPr lang="en-MY" dirty="0"/>
+              <a:t>Powered by </a:t>
+            </a:r>
+            <a:r>
+              <a:rPr lang="en-MY" dirty="0" err="1"/>
+              <a:t>Dlib</a:t>
+            </a:r>
+            <a:r>
+              <a:rPr lang="en-MY" dirty="0"/>
+              <a:t> based </a:t>
+            </a:r>
+            <a:r>
+              <a:rPr lang="en-MY" dirty="0" err="1"/>
+              <a:t>face_recognition</a:t>
+            </a:r>
+            <a:r>
+              <a:rPr lang="en-MY" dirty="0"/>
+              <a:t> Python library.</a:t>
+            </a:r>
+          </a:p>
+          <a:p>
+            <a:r>
+              <a:rPr lang="en-MY" dirty="0" err="1"/>
+              <a:t>Face_recognition</a:t>
+            </a:r>
+            <a:r>
+              <a:rPr lang="en-MY" dirty="0"/>
+              <a:t> is using </a:t>
+            </a:r>
+            <a:r>
+              <a:rPr lang="en-MY" dirty="0" err="1"/>
+              <a:t>Dlib</a:t>
+            </a:r>
+            <a:r>
+              <a:rPr lang="en-MY" dirty="0"/>
+              <a:t> to convert image into </a:t>
+            </a:r>
+            <a:r>
+              <a:rPr lang="en-MY" dirty="0" err="1"/>
+              <a:t>HoG</a:t>
+            </a:r>
+            <a:r>
+              <a:rPr lang="en-MY" dirty="0"/>
+              <a:t> array and finds the face area. After face detection, it encodes each face to 128-bit array.</a:t>
+            </a:r>
+          </a:p>
+          <a:p>
+            <a:r>
+              <a:rPr lang="en-MY" dirty="0"/>
+              <a:t>The cosine distance in between to faces’ encoded array will determine the similarity of the faces.</a:t>
+            </a:r>
+          </a:p>
+          <a:p>
+            <a:r>
+              <a:rPr lang="en-MY" dirty="0"/>
+              <a:t>In this project, known faces will be used as </a:t>
+            </a:r>
+            <a:r>
+              <a:rPr lang="en-MY" dirty="0" err="1"/>
+              <a:t>bencemark</a:t>
+            </a:r>
+            <a:r>
+              <a:rPr lang="en-MY" dirty="0"/>
+              <a:t> to measure similarity across the image captured from the video.</a:t>
+            </a:r>
+          </a:p>
+          <a:p>
+            <a:r>
+              <a:rPr lang="en-MY" dirty="0"/>
+              <a:t>The recognized face will be recorded to image_login.csv with timestamp. Image will also be recorded in PC with </a:t>
+            </a:r>
+            <a:r>
+              <a:rPr lang="en-MY" dirty="0" err="1"/>
+              <a:t>datastamp</a:t>
+            </a:r>
+            <a:r>
+              <a:rPr lang="en-MY" dirty="0"/>
+              <a:t> and name on the jpg filename.</a:t>
+            </a:r>
+          </a:p>
+        </p:txBody>
+      </p:sp>
+    </p:spTree>
+    <p:extLst>
+      <p:ext uri="{BB962C8B-B14F-4D97-AF65-F5344CB8AC3E}">
+        <p14:creationId xmlns:p14="http://schemas.microsoft.com/office/powerpoint/2010/main" val="609740048"/>
+      </p:ext>
+    </p:extLst>
+  </p:cSld>
+  <p:clrMapOvr>
+    <a:masterClrMapping/>
+  </p:clrMapOvr>
+</p:sld>
+</file>
+
+<file path=ppt/slides/slide7.xml><?xml version="1.0" encoding="utf-8"?>
+<p:sld xmlns:a="http://schemas.openxmlformats.org/drawingml/2006/main" xmlns:r="http://schemas.openxmlformats.org/officeDocument/2006/relationships" xmlns:p="http://schemas.openxmlformats.org/presentationml/2006/main">
+  <p:cSld>
+    <p:spTree>
+      <p:nvGrpSpPr>
+        <p:cNvPr id="1" name=""/>
+        <p:cNvGrpSpPr/>
+        <p:nvPr/>
+      </p:nvGrpSpPr>
+      <p:grpSpPr>
+        <a:xfrm>
+          <a:off x="0" y="0"/>
+          <a:ext cx="0" cy="0"/>
+          <a:chOff x="0" y="0"/>
+          <a:chExt cx="0" cy="0"/>
+        </a:xfrm>
+      </p:grpSpPr>
+      <p:sp>
+        <p:nvSpPr>
+          <p:cNvPr id="2" name="Title 1">
+            <a:extLst>
+              <a:ext uri="{FF2B5EF4-FFF2-40B4-BE49-F238E27FC236}">
+                <a16:creationId xmlns:a16="http://schemas.microsoft.com/office/drawing/2014/main" id="{94759DFC-67C7-4679-916B-8DF94084ED9A}"/>
+              </a:ext>
+            </a:extLst>
+          </p:cNvPr>
+          <p:cNvSpPr>
+            <a:spLocks noGrp="1"/>
+          </p:cNvSpPr>
+          <p:nvPr>
+            <p:ph type="title"/>
+          </p:nvPr>
+        </p:nvSpPr>
+        <p:spPr/>
+        <p:txBody>
+          <a:bodyPr/>
+          <a:lstStyle/>
+          <a:p>
+            <a:r>
+              <a:rPr lang="en-MY" dirty="0"/>
+              <a:t>IPA – </a:t>
+            </a:r>
+            <a:r>
+              <a:rPr lang="en-MY" dirty="0" err="1"/>
+              <a:t>Face_Recognition</a:t>
+            </a:r>
+            <a:endParaRPr lang="en-MY" dirty="0"/>
+          </a:p>
+        </p:txBody>
+      </p:sp>
+      <p:sp>
+        <p:nvSpPr>
+          <p:cNvPr id="3" name="Content Placeholder 2">
+            <a:extLst>
+              <a:ext uri="{FF2B5EF4-FFF2-40B4-BE49-F238E27FC236}">
+                <a16:creationId xmlns:a16="http://schemas.microsoft.com/office/drawing/2014/main" id="{66607E2A-0659-460B-9268-EBEBD617C754}"/>
+              </a:ext>
+            </a:extLst>
+          </p:cNvPr>
+          <p:cNvSpPr>
+            <a:spLocks noGrp="1"/>
+          </p:cNvSpPr>
+          <p:nvPr>
+            <p:ph idx="1"/>
+          </p:nvPr>
+        </p:nvSpPr>
+        <p:spPr/>
+        <p:txBody>
+          <a:bodyPr>
+            <a:normAutofit/>
+          </a:bodyPr>
+          <a:lstStyle/>
+          <a:p>
+            <a:r>
+              <a:rPr lang="en-MY" dirty="0"/>
+              <a:t>The image_login.csv is started with all known person with value 99999 represent non-detection at the initialization.</a:t>
+            </a:r>
+          </a:p>
+          <a:p>
+            <a:r>
+              <a:rPr lang="en-MY" dirty="0"/>
+              <a:t>However, once the face is recognized, </a:t>
+            </a:r>
+            <a:r>
+              <a:rPr lang="en-MY" dirty="0" err="1"/>
+              <a:t>datestamp</a:t>
+            </a:r>
+            <a:r>
+              <a:rPr lang="en-MY" dirty="0"/>
+              <a:t> will be recorded.</a:t>
+            </a:r>
+          </a:p>
+          <a:p>
+            <a:endParaRPr lang="en-MY" dirty="0"/>
+          </a:p>
+          <a:p>
+            <a:endParaRPr lang="en-MY" dirty="0"/>
+          </a:p>
+        </p:txBody>
+      </p:sp>
+      <p:graphicFrame>
+        <p:nvGraphicFramePr>
+          <p:cNvPr id="5" name="Table 4">
+            <a:extLst>
+              <a:ext uri="{FF2B5EF4-FFF2-40B4-BE49-F238E27FC236}">
+                <a16:creationId xmlns:a16="http://schemas.microsoft.com/office/drawing/2014/main" id="{364A1F9D-B452-4D43-9E38-45D429DFA3D3}"/>
+              </a:ext>
+            </a:extLst>
+          </p:cNvPr>
+          <p:cNvGraphicFramePr>
+            <a:graphicFrameLocks noGrp="1"/>
+          </p:cNvGraphicFramePr>
+          <p:nvPr/>
+        </p:nvGraphicFramePr>
+        <p:xfrm>
+          <a:off x="5295900" y="3452654"/>
+          <a:ext cx="1600200" cy="1097280"/>
+        </p:xfrm>
+        <a:graphic>
+          <a:graphicData uri="http://schemas.openxmlformats.org/drawingml/2006/table">
+            <a:tbl>
+              <a:tblPr/>
+              <a:tblGrid>
+                <a:gridCol w="609600">
+                  <a:extLst>
+                    <a:ext uri="{9D8B030D-6E8A-4147-A177-3AD203B41FA5}">
+                      <a16:colId xmlns:a16="http://schemas.microsoft.com/office/drawing/2014/main" val="1452311747"/>
+                    </a:ext>
+                  </a:extLst>
+                </a:gridCol>
+                <a:gridCol w="990600">
+                  <a:extLst>
+                    <a:ext uri="{9D8B030D-6E8A-4147-A177-3AD203B41FA5}">
+                      <a16:colId xmlns:a16="http://schemas.microsoft.com/office/drawing/2014/main" val="1917981745"/>
+                    </a:ext>
+                  </a:extLst>
+                </a:gridCol>
+              </a:tblGrid>
+              <a:tr h="182880">
+                <a:tc>
+                  <a:txBody>
+                    <a:bodyPr/>
+                    <a:lstStyle/>
+                    <a:p>
+                      <a:pPr algn="l" fontAlgn="b"/>
+                      <a:r>
+                        <a:rPr lang="en-MY" sz="1100" b="0" i="0" u="none" strike="noStrike">
+                          <a:solidFill>
+                            <a:srgbClr val="000000"/>
+                          </a:solidFill>
+                          <a:effectLst/>
+                          <a:latin typeface="Calibri" panose="020F0502020204030204" pitchFamily="34" charset="0"/>
+                        </a:rPr>
+                        <a:t>Name</a:t>
+                      </a:r>
+                    </a:p>
+                  </a:txBody>
+                  <a:tcPr marL="7620" marR="7620" marT="7620" marB="0" anchor="b">
+                    <a:lnL>
+                      <a:noFill/>
+                    </a:lnL>
+                    <a:lnR>
+                      <a:noFill/>
+                    </a:lnR>
+                    <a:lnT>
+                      <a:noFill/>
+                    </a:lnT>
+                    <a:lnB>
+                      <a:noFill/>
+                    </a:lnB>
+                  </a:tcPr>
+                </a:tc>
+                <a:tc>
+                  <a:txBody>
+                    <a:bodyPr/>
+                    <a:lstStyle/>
+                    <a:p>
+                      <a:pPr algn="l" fontAlgn="b"/>
+                      <a:r>
+                        <a:rPr lang="en-MY" sz="1100" b="0" i="0" u="none" strike="noStrike">
+                          <a:solidFill>
+                            <a:srgbClr val="000000"/>
+                          </a:solidFill>
+                          <a:effectLst/>
+                          <a:latin typeface="Calibri" panose="020F0502020204030204" pitchFamily="34" charset="0"/>
+                        </a:rPr>
+                        <a:t>Time</a:t>
+                      </a:r>
+                    </a:p>
+                  </a:txBody>
+                  <a:tcPr marL="7620" marR="7620" marT="7620" marB="0" anchor="b">
+                    <a:lnL>
+                      <a:noFill/>
+                    </a:lnL>
+                    <a:lnR>
+                      <a:noFill/>
+                    </a:lnR>
+                    <a:lnT>
+                      <a:noFill/>
+                    </a:lnT>
+                    <a:lnB>
+                      <a:noFill/>
+                    </a:lnB>
+                  </a:tcPr>
+                </a:tc>
+                <a:extLst>
+                  <a:ext uri="{0D108BD9-81ED-4DB2-BD59-A6C34878D82A}">
+                    <a16:rowId xmlns:a16="http://schemas.microsoft.com/office/drawing/2014/main" val="1579448105"/>
+                  </a:ext>
+                </a:extLst>
+              </a:tr>
+              <a:tr h="182880">
+                <a:tc>
+                  <a:txBody>
+                    <a:bodyPr/>
+                    <a:lstStyle/>
+                    <a:p>
+                      <a:pPr algn="l" fontAlgn="b"/>
+                      <a:r>
+                        <a:rPr lang="en-MY" sz="1100" b="0" i="0" u="none" strike="noStrike">
+                          <a:solidFill>
+                            <a:srgbClr val="000000"/>
+                          </a:solidFill>
+                          <a:effectLst/>
+                          <a:latin typeface="Calibri" panose="020F0502020204030204" pitchFamily="34" charset="0"/>
+                        </a:rPr>
+                        <a:t>CaoLiang</a:t>
+                      </a:r>
+                    </a:p>
+                  </a:txBody>
+                  <a:tcPr marL="7620" marR="7620" marT="7620" marB="0" anchor="b">
+                    <a:lnL>
+                      <a:noFill/>
+                    </a:lnL>
+                    <a:lnR>
+                      <a:noFill/>
+                    </a:lnR>
+                    <a:lnT>
+                      <a:noFill/>
+                    </a:lnT>
+                    <a:lnB>
+                      <a:noFill/>
+                    </a:lnB>
+                  </a:tcPr>
+                </a:tc>
+                <a:tc>
+                  <a:txBody>
+                    <a:bodyPr/>
+                    <a:lstStyle/>
+                    <a:p>
+                      <a:pPr algn="r" fontAlgn="b"/>
+                      <a:r>
+                        <a:rPr lang="en-MY" sz="1100" b="0" i="0" u="none" strike="noStrike">
+                          <a:solidFill>
+                            <a:srgbClr val="000000"/>
+                          </a:solidFill>
+                          <a:effectLst/>
+                          <a:latin typeface="Calibri" panose="020F0502020204030204" pitchFamily="34" charset="0"/>
+                        </a:rPr>
+                        <a:t>99999</a:t>
+                      </a:r>
+                    </a:p>
+                  </a:txBody>
+                  <a:tcPr marL="7620" marR="7620" marT="7620" marB="0" anchor="b">
+                    <a:lnL>
+                      <a:noFill/>
+                    </a:lnL>
+                    <a:lnR>
+                      <a:noFill/>
+                    </a:lnR>
+                    <a:lnT>
+                      <a:noFill/>
+                    </a:lnT>
+                    <a:lnB>
+                      <a:noFill/>
+                    </a:lnB>
+                  </a:tcPr>
+                </a:tc>
+                <a:extLst>
+                  <a:ext uri="{0D108BD9-81ED-4DB2-BD59-A6C34878D82A}">
+                    <a16:rowId xmlns:a16="http://schemas.microsoft.com/office/drawing/2014/main" val="353712611"/>
+                  </a:ext>
+                </a:extLst>
+              </a:tr>
+              <a:tr h="182880">
+                <a:tc>
+                  <a:txBody>
+                    <a:bodyPr/>
+                    <a:lstStyle/>
+                    <a:p>
+                      <a:pPr algn="l" fontAlgn="b"/>
+                      <a:r>
+                        <a:rPr lang="en-MY" sz="1100" b="0" i="0" u="none" strike="noStrike">
+                          <a:solidFill>
+                            <a:srgbClr val="000000"/>
+                          </a:solidFill>
+                          <a:effectLst/>
+                          <a:latin typeface="Calibri" panose="020F0502020204030204" pitchFamily="34" charset="0"/>
+                        </a:rPr>
+                        <a:t>Francis</a:t>
+                      </a:r>
+                    </a:p>
+                  </a:txBody>
+                  <a:tcPr marL="7620" marR="7620" marT="7620" marB="0" anchor="b">
+                    <a:lnL>
+                      <a:noFill/>
+                    </a:lnL>
+                    <a:lnR>
+                      <a:noFill/>
+                    </a:lnR>
+                    <a:lnT>
+                      <a:noFill/>
+                    </a:lnT>
+                    <a:lnB>
+                      <a:noFill/>
+                    </a:lnB>
+                  </a:tcPr>
+                </a:tc>
+                <a:tc>
+                  <a:txBody>
+                    <a:bodyPr/>
+                    <a:lstStyle/>
+                    <a:p>
+                      <a:pPr algn="r" fontAlgn="b"/>
+                      <a:r>
+                        <a:rPr lang="en-MY" sz="1100" b="0" i="0" u="none" strike="noStrike">
+                          <a:solidFill>
+                            <a:srgbClr val="000000"/>
+                          </a:solidFill>
+                          <a:effectLst/>
+                          <a:latin typeface="Calibri" panose="020F0502020204030204" pitchFamily="34" charset="0"/>
+                        </a:rPr>
+                        <a:t>99999</a:t>
+                      </a:r>
+                    </a:p>
+                  </a:txBody>
+                  <a:tcPr marL="7620" marR="7620" marT="7620" marB="0" anchor="b">
+                    <a:lnL>
+                      <a:noFill/>
+                    </a:lnL>
+                    <a:lnR>
+                      <a:noFill/>
+                    </a:lnR>
+                    <a:lnT>
+                      <a:noFill/>
+                    </a:lnT>
+                    <a:lnB>
+                      <a:noFill/>
+                    </a:lnB>
+                  </a:tcPr>
+                </a:tc>
+                <a:extLst>
+                  <a:ext uri="{0D108BD9-81ED-4DB2-BD59-A6C34878D82A}">
+                    <a16:rowId xmlns:a16="http://schemas.microsoft.com/office/drawing/2014/main" val="1216202979"/>
+                  </a:ext>
+                </a:extLst>
+              </a:tr>
+              <a:tr h="182880">
+                <a:tc>
+                  <a:txBody>
+                    <a:bodyPr/>
+                    <a:lstStyle/>
+                    <a:p>
+                      <a:pPr algn="l" fontAlgn="b"/>
+                      <a:r>
+                        <a:rPr lang="en-MY" sz="1100" b="0" i="0" u="none" strike="noStrike">
+                          <a:solidFill>
+                            <a:srgbClr val="000000"/>
+                          </a:solidFill>
+                          <a:effectLst/>
+                          <a:latin typeface="Calibri" panose="020F0502020204030204" pitchFamily="34" charset="0"/>
+                        </a:rPr>
+                        <a:t>Gary</a:t>
+                      </a:r>
+                    </a:p>
+                  </a:txBody>
+                  <a:tcPr marL="7620" marR="7620" marT="7620" marB="0" anchor="b">
+                    <a:lnL>
+                      <a:noFill/>
+                    </a:lnL>
+                    <a:lnR>
+                      <a:noFill/>
+                    </a:lnR>
+                    <a:lnT>
+                      <a:noFill/>
+                    </a:lnT>
+                    <a:lnB>
+                      <a:noFill/>
+                    </a:lnB>
+                  </a:tcPr>
+                </a:tc>
+                <a:tc>
+                  <a:txBody>
+                    <a:bodyPr/>
+                    <a:lstStyle/>
+                    <a:p>
+                      <a:pPr algn="r" fontAlgn="b"/>
+                      <a:r>
+                        <a:rPr lang="en-MY" sz="1100" b="0" i="0" u="none" strike="noStrike">
+                          <a:solidFill>
+                            <a:srgbClr val="000000"/>
+                          </a:solidFill>
+                          <a:effectLst/>
+                          <a:latin typeface="Calibri" panose="020F0502020204030204" pitchFamily="34" charset="0"/>
+                        </a:rPr>
+                        <a:t>99999</a:t>
+                      </a:r>
+                    </a:p>
+                  </a:txBody>
+                  <a:tcPr marL="7620" marR="7620" marT="7620" marB="0" anchor="b">
+                    <a:lnL>
+                      <a:noFill/>
+                    </a:lnL>
+                    <a:lnR>
+                      <a:noFill/>
+                    </a:lnR>
+                    <a:lnT>
+                      <a:noFill/>
+                    </a:lnT>
+                    <a:lnB>
+                      <a:noFill/>
+                    </a:lnB>
+                  </a:tcPr>
+                </a:tc>
+                <a:extLst>
+                  <a:ext uri="{0D108BD9-81ED-4DB2-BD59-A6C34878D82A}">
+                    <a16:rowId xmlns:a16="http://schemas.microsoft.com/office/drawing/2014/main" val="3663433739"/>
+                  </a:ext>
+                </a:extLst>
+              </a:tr>
+              <a:tr h="182880">
+                <a:tc>
+                  <a:txBody>
+                    <a:bodyPr/>
+                    <a:lstStyle/>
+                    <a:p>
+                      <a:pPr algn="l" fontAlgn="b"/>
+                      <a:r>
+                        <a:rPr lang="en-MY" sz="1100" b="0" i="0" u="none" strike="noStrike">
+                          <a:solidFill>
+                            <a:srgbClr val="000000"/>
+                          </a:solidFill>
+                          <a:effectLst/>
+                          <a:latin typeface="Calibri" panose="020F0502020204030204" pitchFamily="34" charset="0"/>
+                        </a:rPr>
+                        <a:t>Jacky</a:t>
+                      </a:r>
+                    </a:p>
+                  </a:txBody>
+                  <a:tcPr marL="7620" marR="7620" marT="7620" marB="0" anchor="b">
+                    <a:lnL>
+                      <a:noFill/>
+                    </a:lnL>
+                    <a:lnR>
+                      <a:noFill/>
+                    </a:lnR>
+                    <a:lnT>
+                      <a:noFill/>
+                    </a:lnT>
+                    <a:lnB>
+                      <a:noFill/>
+                    </a:lnB>
+                  </a:tcPr>
+                </a:tc>
+                <a:tc>
+                  <a:txBody>
+                    <a:bodyPr/>
+                    <a:lstStyle/>
+                    <a:p>
+                      <a:pPr algn="r" fontAlgn="b"/>
+                      <a:r>
+                        <a:rPr lang="en-MY" sz="1100" b="0" i="0" u="none" strike="noStrike">
+                          <a:solidFill>
+                            <a:srgbClr val="000000"/>
+                          </a:solidFill>
+                          <a:effectLst/>
+                          <a:latin typeface="Calibri" panose="020F0502020204030204" pitchFamily="34" charset="0"/>
+                        </a:rPr>
+                        <a:t>99999</a:t>
+                      </a:r>
+                    </a:p>
+                  </a:txBody>
+                  <a:tcPr marL="7620" marR="7620" marT="7620" marB="0" anchor="b">
+                    <a:lnL>
+                      <a:noFill/>
+                    </a:lnL>
+                    <a:lnR>
+                      <a:noFill/>
+                    </a:lnR>
+                    <a:lnT>
+                      <a:noFill/>
+                    </a:lnT>
+                    <a:lnB>
+                      <a:noFill/>
+                    </a:lnB>
+                  </a:tcPr>
+                </a:tc>
+                <a:extLst>
+                  <a:ext uri="{0D108BD9-81ED-4DB2-BD59-A6C34878D82A}">
+                    <a16:rowId xmlns:a16="http://schemas.microsoft.com/office/drawing/2014/main" val="238573765"/>
+                  </a:ext>
+                </a:extLst>
+              </a:tr>
+              <a:tr h="182880">
+                <a:tc>
+                  <a:txBody>
+                    <a:bodyPr/>
+                    <a:lstStyle/>
+                    <a:p>
+                      <a:pPr algn="l" fontAlgn="b"/>
+                      <a:r>
+                        <a:rPr lang="en-MY" sz="1100" b="0" i="0" u="none" strike="noStrike">
+                          <a:solidFill>
+                            <a:srgbClr val="000000"/>
+                          </a:solidFill>
+                          <a:effectLst/>
+                          <a:latin typeface="Calibri" panose="020F0502020204030204" pitchFamily="34" charset="0"/>
+                        </a:rPr>
+                        <a:t>Ong</a:t>
+                      </a:r>
+                    </a:p>
+                  </a:txBody>
+                  <a:tcPr marL="7620" marR="7620" marT="7620" marB="0" anchor="b">
+                    <a:lnL>
+                      <a:noFill/>
+                    </a:lnL>
+                    <a:lnR>
+                      <a:noFill/>
+                    </a:lnR>
+                    <a:lnT>
+                      <a:noFill/>
+                    </a:lnT>
+                    <a:lnB>
+                      <a:noFill/>
+                    </a:lnB>
+                  </a:tcPr>
+                </a:tc>
+                <a:tc>
+                  <a:txBody>
+                    <a:bodyPr/>
+                    <a:lstStyle/>
+                    <a:p>
+                      <a:pPr algn="r" fontAlgn="b"/>
+                      <a:r>
+                        <a:rPr lang="en-MY" sz="1100" b="0" i="0" u="none" strike="noStrike" dirty="0">
+                          <a:solidFill>
+                            <a:srgbClr val="000000"/>
+                          </a:solidFill>
+                          <a:effectLst/>
+                          <a:latin typeface="Calibri" panose="020F0502020204030204" pitchFamily="34" charset="0"/>
+                        </a:rPr>
+                        <a:t>1585462164</a:t>
+                      </a:r>
+                    </a:p>
+                  </a:txBody>
+                  <a:tcPr marL="7620" marR="7620" marT="7620" marB="0" anchor="b">
+                    <a:lnL>
+                      <a:noFill/>
+                    </a:lnL>
+                    <a:lnR>
+                      <a:noFill/>
+                    </a:lnR>
+                    <a:lnT>
+                      <a:noFill/>
+                    </a:lnT>
+                    <a:lnB>
+                      <a:noFill/>
+                    </a:lnB>
+                  </a:tcPr>
+                </a:tc>
+                <a:extLst>
+                  <a:ext uri="{0D108BD9-81ED-4DB2-BD59-A6C34878D82A}">
+                    <a16:rowId xmlns:a16="http://schemas.microsoft.com/office/drawing/2014/main" val="2192118315"/>
+                  </a:ext>
+                </a:extLst>
+              </a:tr>
+            </a:tbl>
+          </a:graphicData>
+        </a:graphic>
+      </p:graphicFrame>
+    </p:spTree>
+    <p:extLst>
+      <p:ext uri="{BB962C8B-B14F-4D97-AF65-F5344CB8AC3E}">
+        <p14:creationId xmlns:p14="http://schemas.microsoft.com/office/powerpoint/2010/main" val="3743039479"/>
+      </p:ext>
+    </p:extLst>
+  </p:cSld>
+  <p:clrMapOvr>
+    <a:masterClrMapping/>
+  </p:clrMapOvr>
+</p:sld>
+</file>
+
+<file path=ppt/slides/slide8.xml><?xml version="1.0" encoding="utf-8"?>
+<p:sld xmlns:a="http://schemas.openxmlformats.org/drawingml/2006/main" xmlns:r="http://schemas.openxmlformats.org/officeDocument/2006/relationships" xmlns:p="http://schemas.openxmlformats.org/presentationml/2006/main">
+  <p:cSld>
+    <p:spTree>
+      <p:nvGrpSpPr>
+        <p:cNvPr id="1" name=""/>
+        <p:cNvGrpSpPr/>
+        <p:nvPr/>
+      </p:nvGrpSpPr>
+      <p:grpSpPr>
+        <a:xfrm>
+          <a:off x="0" y="0"/>
+          <a:ext cx="0" cy="0"/>
+          <a:chOff x="0" y="0"/>
+          <a:chExt cx="0" cy="0"/>
+        </a:xfrm>
+      </p:grpSpPr>
+      <p:sp>
+        <p:nvSpPr>
+          <p:cNvPr id="2" name="Title 1">
+            <a:extLst>
+              <a:ext uri="{FF2B5EF4-FFF2-40B4-BE49-F238E27FC236}">
+                <a16:creationId xmlns:a16="http://schemas.microsoft.com/office/drawing/2014/main" id="{94759DFC-67C7-4679-916B-8DF94084ED9A}"/>
+              </a:ext>
+            </a:extLst>
+          </p:cNvPr>
+          <p:cNvSpPr>
+            <a:spLocks noGrp="1"/>
+          </p:cNvSpPr>
+          <p:nvPr>
+            <p:ph type="title"/>
+          </p:nvPr>
+        </p:nvSpPr>
+        <p:spPr/>
+        <p:txBody>
+          <a:bodyPr/>
+          <a:lstStyle/>
+          <a:p>
+            <a:r>
+              <a:rPr lang="en-MY" dirty="0"/>
+              <a:t>IPA – Temperature Taking</a:t>
+            </a:r>
+          </a:p>
+        </p:txBody>
+      </p:sp>
+      <p:sp>
+        <p:nvSpPr>
+          <p:cNvPr id="3" name="Content Placeholder 2">
+            <a:extLst>
+              <a:ext uri="{FF2B5EF4-FFF2-40B4-BE49-F238E27FC236}">
+                <a16:creationId xmlns:a16="http://schemas.microsoft.com/office/drawing/2014/main" id="{66607E2A-0659-460B-9268-EBEBD617C754}"/>
+              </a:ext>
+            </a:extLst>
+          </p:cNvPr>
+          <p:cNvSpPr>
+            <a:spLocks noGrp="1"/>
+          </p:cNvSpPr>
+          <p:nvPr>
+            <p:ph idx="1"/>
+          </p:nvPr>
+        </p:nvSpPr>
+        <p:spPr/>
+        <p:txBody>
+          <a:bodyPr>
+            <a:normAutofit/>
+          </a:bodyPr>
+          <a:lstStyle/>
+          <a:p>
+            <a:r>
+              <a:rPr lang="en-MY" dirty="0"/>
+              <a:t>Security department maintains a simple script that takes the temperature.</a:t>
+            </a:r>
+          </a:p>
+          <a:p>
+            <a:r>
+              <a:rPr lang="en-MY" dirty="0"/>
+              <a:t>The script is modified so take after it takes the reading thru keyboard, it checks against blacklist.csv which is also maintained by security.</a:t>
+            </a:r>
+          </a:p>
+          <a:p>
+            <a:r>
+              <a:rPr lang="en-MY" dirty="0"/>
+              <a:t>If one offends the blacklist, it will be recorded in alarm.csv</a:t>
+            </a:r>
+          </a:p>
+          <a:p>
+            <a:r>
+              <a:rPr lang="en-MY" dirty="0"/>
+              <a:t>On the other hand, if the temperature is higher than 37.5C, it will also be recorded in alarm.csv</a:t>
+            </a:r>
+          </a:p>
+          <a:p>
+            <a:r>
+              <a:rPr lang="en-MY" dirty="0"/>
+              <a:t>However, if one offends blacklist, temperature will not be checked.</a:t>
+            </a:r>
+          </a:p>
+        </p:txBody>
+      </p:sp>
+    </p:spTree>
+    <p:extLst>
+      <p:ext uri="{BB962C8B-B14F-4D97-AF65-F5344CB8AC3E}">
+        <p14:creationId xmlns:p14="http://schemas.microsoft.com/office/powerpoint/2010/main" val="2535376404"/>
+      </p:ext>
+    </p:extLst>
+  </p:cSld>
+  <p:clrMapOvr>
+    <a:masterClrMapping/>
+  </p:clrMapOvr>
+</p:sld>
+</file>
+
+<file path=ppt/slides/slide9.xml><?xml version="1.0" encoding="utf-8"?>
+<p:sld xmlns:a="http://schemas.openxmlformats.org/drawingml/2006/main" xmlns:r="http://schemas.openxmlformats.org/officeDocument/2006/relationships" xmlns:p="http://schemas.openxmlformats.org/presentationml/2006/main">
+  <p:cSld>
+    <p:spTree>
+      <p:nvGrpSpPr>
+        <p:cNvPr id="1" name=""/>
+        <p:cNvGrpSpPr/>
+        <p:nvPr/>
+      </p:nvGrpSpPr>
+      <p:grpSpPr>
+        <a:xfrm>
+          <a:off x="0" y="0"/>
+          <a:ext cx="0" cy="0"/>
+          <a:chOff x="0" y="0"/>
+          <a:chExt cx="0" cy="0"/>
+        </a:xfrm>
+      </p:grpSpPr>
+      <p:sp>
+        <p:nvSpPr>
+          <p:cNvPr id="2" name="Title 1">
+            <a:extLst>
+              <a:ext uri="{FF2B5EF4-FFF2-40B4-BE49-F238E27FC236}">
+                <a16:creationId xmlns:a16="http://schemas.microsoft.com/office/drawing/2014/main" id="{94759DFC-67C7-4679-916B-8DF94084ED9A}"/>
+              </a:ext>
+            </a:extLst>
+          </p:cNvPr>
+          <p:cNvSpPr>
+            <a:spLocks noGrp="1"/>
+          </p:cNvSpPr>
+          <p:nvPr>
+            <p:ph type="title"/>
+          </p:nvPr>
+        </p:nvSpPr>
+        <p:spPr/>
+        <p:txBody>
+          <a:bodyPr/>
+          <a:lstStyle/>
+          <a:p>
+            <a:r>
+              <a:rPr lang="en-MY" dirty="0"/>
+              <a:t>IPA – Temperature Taking</a:t>
+            </a:r>
+          </a:p>
+        </p:txBody>
+      </p:sp>
+      <p:sp>
+        <p:nvSpPr>
+          <p:cNvPr id="5" name="Content Placeholder 4">
+            <a:extLst>
+              <a:ext uri="{FF2B5EF4-FFF2-40B4-BE49-F238E27FC236}">
+                <a16:creationId xmlns:a16="http://schemas.microsoft.com/office/drawing/2014/main" id="{5A8A12FF-1BF3-4D4B-8C2D-5EFA386BF01F}"/>
+              </a:ext>
+            </a:extLst>
+          </p:cNvPr>
+          <p:cNvSpPr>
+            <a:spLocks noGrp="1"/>
+          </p:cNvSpPr>
+          <p:nvPr>
+            <p:ph idx="1"/>
+          </p:nvPr>
+        </p:nvSpPr>
+        <p:spPr/>
+        <p:txBody>
+          <a:bodyPr/>
+          <a:lstStyle/>
+          <a:p>
+            <a:r>
+              <a:rPr lang="en-MY" dirty="0"/>
+              <a:t>Alert.csv stores alert level and temperature.</a:t>
+            </a:r>
+          </a:p>
+          <a:p>
+            <a:r>
+              <a:rPr lang="en-MY" dirty="0"/>
+              <a:t>If Alert=1, it just show temperature is higher.</a:t>
+            </a:r>
+          </a:p>
+          <a:p>
+            <a:r>
+              <a:rPr lang="en-MY" dirty="0"/>
+              <a:t>If Alert=2, it shows the person is blacklisted.</a:t>
+            </a:r>
+          </a:p>
+          <a:p>
+            <a:r>
+              <a:rPr lang="en-MY" dirty="0"/>
+              <a:t>If Alert=99999, it shows the person is not showing up.</a:t>
+            </a:r>
+          </a:p>
+          <a:p>
+            <a:endParaRPr lang="en-MY" dirty="0"/>
+          </a:p>
+        </p:txBody>
+      </p:sp>
+      <p:graphicFrame>
+        <p:nvGraphicFramePr>
+          <p:cNvPr id="7" name="Table 6">
+            <a:extLst>
+              <a:ext uri="{FF2B5EF4-FFF2-40B4-BE49-F238E27FC236}">
+                <a16:creationId xmlns:a16="http://schemas.microsoft.com/office/drawing/2014/main" id="{FD20034E-115E-41FB-B7F3-76D3BA9EE286}"/>
+              </a:ext>
+            </a:extLst>
+          </p:cNvPr>
+          <p:cNvGraphicFramePr>
+            <a:graphicFrameLocks noGrp="1"/>
+          </p:cNvGraphicFramePr>
+          <p:nvPr>
+            <p:extLst>
+              <p:ext uri="{D42A27DB-BD31-4B8C-83A1-F6EECF244321}">
+                <p14:modId xmlns:p14="http://schemas.microsoft.com/office/powerpoint/2010/main" val="2961147439"/>
+              </p:ext>
+            </p:extLst>
+          </p:nvPr>
+        </p:nvGraphicFramePr>
+        <p:xfrm>
+          <a:off x="5073650" y="4501991"/>
+          <a:ext cx="2044700" cy="914400"/>
+        </p:xfrm>
+        <a:graphic>
+          <a:graphicData uri="http://schemas.openxmlformats.org/drawingml/2006/table">
+            <a:tbl>
+              <a:tblPr/>
+              <a:tblGrid>
+                <a:gridCol w="609600">
+                  <a:extLst>
+                    <a:ext uri="{9D8B030D-6E8A-4147-A177-3AD203B41FA5}">
+                      <a16:colId xmlns:a16="http://schemas.microsoft.com/office/drawing/2014/main" val="1955007982"/>
+                    </a:ext>
+                  </a:extLst>
+                </a:gridCol>
+                <a:gridCol w="609600">
+                  <a:extLst>
+                    <a:ext uri="{9D8B030D-6E8A-4147-A177-3AD203B41FA5}">
+                      <a16:colId xmlns:a16="http://schemas.microsoft.com/office/drawing/2014/main" val="2387302148"/>
+                    </a:ext>
+                  </a:extLst>
+                </a:gridCol>
+                <a:gridCol w="825500">
+                  <a:extLst>
+                    <a:ext uri="{9D8B030D-6E8A-4147-A177-3AD203B41FA5}">
+                      <a16:colId xmlns:a16="http://schemas.microsoft.com/office/drawing/2014/main" val="3793831797"/>
+                    </a:ext>
+                  </a:extLst>
+                </a:gridCol>
+              </a:tblGrid>
+              <a:tr h="182880">
+                <a:tc>
+                  <a:txBody>
+                    <a:bodyPr/>
+                    <a:lstStyle/>
+                    <a:p>
+                      <a:pPr algn="l" fontAlgn="b"/>
+                      <a:r>
+                        <a:rPr lang="en-MY" sz="1100" b="0" i="0" u="none" strike="noStrike">
+                          <a:solidFill>
+                            <a:srgbClr val="000000"/>
+                          </a:solidFill>
+                          <a:effectLst/>
+                          <a:latin typeface="Calibri" panose="020F0502020204030204" pitchFamily="34" charset="0"/>
+                        </a:rPr>
+                        <a:t>Name</a:t>
+                      </a:r>
+                    </a:p>
+                  </a:txBody>
+                  <a:tcPr marL="7620" marR="7620" marT="7620" marB="0" anchor="b">
+                    <a:lnL>
+                      <a:noFill/>
+                    </a:lnL>
+                    <a:lnR>
+                      <a:noFill/>
+                    </a:lnR>
+                    <a:lnT>
+                      <a:noFill/>
+                    </a:lnT>
+                    <a:lnB>
+                      <a:noFill/>
+                    </a:lnB>
+                  </a:tcPr>
+                </a:tc>
+                <a:tc>
+                  <a:txBody>
+                    <a:bodyPr/>
+                    <a:lstStyle/>
+                    <a:p>
+                      <a:pPr algn="l" fontAlgn="b"/>
+                      <a:r>
+                        <a:rPr lang="en-MY" sz="1100" b="0" i="0" u="none" strike="noStrike">
+                          <a:solidFill>
+                            <a:srgbClr val="000000"/>
+                          </a:solidFill>
+                          <a:effectLst/>
+                          <a:latin typeface="Calibri" panose="020F0502020204030204" pitchFamily="34" charset="0"/>
+                        </a:rPr>
+                        <a:t>Alert</a:t>
+                      </a:r>
+                    </a:p>
+                  </a:txBody>
+                  <a:tcPr marL="7620" marR="7620" marT="7620" marB="0" anchor="b">
+                    <a:lnL>
+                      <a:noFill/>
+                    </a:lnL>
+                    <a:lnR>
+                      <a:noFill/>
+                    </a:lnR>
+                    <a:lnT>
+                      <a:noFill/>
+                    </a:lnT>
+                    <a:lnB>
+                      <a:noFill/>
+                    </a:lnB>
+                  </a:tcPr>
+                </a:tc>
+                <a:tc>
+                  <a:txBody>
+                    <a:bodyPr/>
+                    <a:lstStyle/>
+                    <a:p>
+                      <a:pPr algn="l" fontAlgn="b"/>
+                      <a:r>
+                        <a:rPr lang="en-MY" sz="1100" b="0" i="0" u="none" strike="noStrike">
+                          <a:solidFill>
+                            <a:srgbClr val="000000"/>
+                          </a:solidFill>
+                          <a:effectLst/>
+                          <a:latin typeface="Calibri" panose="020F0502020204030204" pitchFamily="34" charset="0"/>
+                        </a:rPr>
+                        <a:t>Temperature</a:t>
+                      </a:r>
+                    </a:p>
+                  </a:txBody>
+                  <a:tcPr marL="7620" marR="7620" marT="7620" marB="0" anchor="b">
+                    <a:lnL>
+                      <a:noFill/>
+                    </a:lnL>
+                    <a:lnR>
+                      <a:noFill/>
+                    </a:lnR>
+                    <a:lnT>
+                      <a:noFill/>
+                    </a:lnT>
+                    <a:lnB>
+                      <a:noFill/>
+                    </a:lnB>
+                  </a:tcPr>
+                </a:tc>
+                <a:extLst>
+                  <a:ext uri="{0D108BD9-81ED-4DB2-BD59-A6C34878D82A}">
+                    <a16:rowId xmlns:a16="http://schemas.microsoft.com/office/drawing/2014/main" val="3370972863"/>
+                  </a:ext>
+                </a:extLst>
+              </a:tr>
+              <a:tr h="182880">
+                <a:tc>
+                  <a:txBody>
+                    <a:bodyPr/>
+                    <a:lstStyle/>
+                    <a:p>
+                      <a:pPr algn="l" fontAlgn="b"/>
+                      <a:r>
+                        <a:rPr lang="en-MY" sz="1100" b="0" i="0" u="none" strike="noStrike">
+                          <a:solidFill>
+                            <a:srgbClr val="000000"/>
+                          </a:solidFill>
+                          <a:effectLst/>
+                          <a:latin typeface="Calibri" panose="020F0502020204030204" pitchFamily="34" charset="0"/>
+                        </a:rPr>
+                        <a:t>Ong</a:t>
+                      </a:r>
+                    </a:p>
+                  </a:txBody>
+                  <a:tcPr marL="7620" marR="7620" marT="7620" marB="0" anchor="b">
+                    <a:lnL>
+                      <a:noFill/>
+                    </a:lnL>
+                    <a:lnR>
+                      <a:noFill/>
+                    </a:lnR>
+                    <a:lnT>
+                      <a:noFill/>
+                    </a:lnT>
+                    <a:lnB>
+                      <a:noFill/>
+                    </a:lnB>
+                  </a:tcPr>
+                </a:tc>
+                <a:tc>
+                  <a:txBody>
+                    <a:bodyPr/>
+                    <a:lstStyle/>
+                    <a:p>
+                      <a:pPr algn="r" fontAlgn="b"/>
+                      <a:r>
+                        <a:rPr lang="en-MY" sz="1100" b="0" i="0" u="none" strike="noStrike">
+                          <a:solidFill>
+                            <a:srgbClr val="000000"/>
+                          </a:solidFill>
+                          <a:effectLst/>
+                          <a:latin typeface="Calibri" panose="020F0502020204030204" pitchFamily="34" charset="0"/>
+                        </a:rPr>
+                        <a:t>2</a:t>
+                      </a:r>
+                    </a:p>
+                  </a:txBody>
+                  <a:tcPr marL="7620" marR="7620" marT="7620" marB="0" anchor="b">
+                    <a:lnL>
+                      <a:noFill/>
+                    </a:lnL>
+                    <a:lnR>
+                      <a:noFill/>
+                    </a:lnR>
+                    <a:lnT>
+                      <a:noFill/>
+                    </a:lnT>
+                    <a:lnB>
+                      <a:noFill/>
+                    </a:lnB>
+                  </a:tcPr>
+                </a:tc>
+                <a:tc>
+                  <a:txBody>
+                    <a:bodyPr/>
+                    <a:lstStyle/>
+                    <a:p>
+                      <a:pPr algn="r" fontAlgn="b"/>
+                      <a:r>
+                        <a:rPr lang="en-MY" sz="1100" b="0" i="0" u="none" strike="noStrike">
+                          <a:solidFill>
+                            <a:srgbClr val="000000"/>
+                          </a:solidFill>
+                          <a:effectLst/>
+                          <a:latin typeface="Calibri" panose="020F0502020204030204" pitchFamily="34" charset="0"/>
+                        </a:rPr>
+                        <a:t>36</a:t>
+                      </a:r>
+                    </a:p>
+                  </a:txBody>
+                  <a:tcPr marL="7620" marR="7620" marT="7620" marB="0" anchor="b">
+                    <a:lnL>
+                      <a:noFill/>
+                    </a:lnL>
+                    <a:lnR>
+                      <a:noFill/>
+                    </a:lnR>
+                    <a:lnT>
+                      <a:noFill/>
+                    </a:lnT>
+                    <a:lnB>
+                      <a:noFill/>
+                    </a:lnB>
+                  </a:tcPr>
+                </a:tc>
+                <a:extLst>
+                  <a:ext uri="{0D108BD9-81ED-4DB2-BD59-A6C34878D82A}">
+                    <a16:rowId xmlns:a16="http://schemas.microsoft.com/office/drawing/2014/main" val="1698840019"/>
+                  </a:ext>
+                </a:extLst>
+              </a:tr>
+              <a:tr h="182880">
+                <a:tc>
+                  <a:txBody>
+                    <a:bodyPr/>
+                    <a:lstStyle/>
+                    <a:p>
+                      <a:pPr algn="l" fontAlgn="b"/>
+                      <a:r>
+                        <a:rPr lang="en-MY" sz="1100" b="0" i="0" u="none" strike="noStrike">
+                          <a:solidFill>
+                            <a:srgbClr val="000000"/>
+                          </a:solidFill>
+                          <a:effectLst/>
+                          <a:latin typeface="Calibri" panose="020F0502020204030204" pitchFamily="34" charset="0"/>
+                        </a:rPr>
+                        <a:t>Jacky</a:t>
+                      </a:r>
+                    </a:p>
+                  </a:txBody>
+                  <a:tcPr marL="7620" marR="7620" marT="7620" marB="0" anchor="b">
+                    <a:lnL>
+                      <a:noFill/>
+                    </a:lnL>
+                    <a:lnR>
+                      <a:noFill/>
+                    </a:lnR>
+                    <a:lnT>
+                      <a:noFill/>
+                    </a:lnT>
+                    <a:lnB>
+                      <a:noFill/>
+                    </a:lnB>
+                  </a:tcPr>
+                </a:tc>
+                <a:tc>
+                  <a:txBody>
+                    <a:bodyPr/>
+                    <a:lstStyle/>
+                    <a:p>
+                      <a:pPr algn="r" fontAlgn="b"/>
+                      <a:r>
+                        <a:rPr lang="en-MY" sz="1100" b="0" i="0" u="none" strike="noStrike">
+                          <a:solidFill>
+                            <a:srgbClr val="000000"/>
+                          </a:solidFill>
+                          <a:effectLst/>
+                          <a:latin typeface="Calibri" panose="020F0502020204030204" pitchFamily="34" charset="0"/>
+                        </a:rPr>
+                        <a:t>1</a:t>
+                      </a:r>
+                    </a:p>
+                  </a:txBody>
+                  <a:tcPr marL="7620" marR="7620" marT="7620" marB="0" anchor="b">
+                    <a:lnL>
+                      <a:noFill/>
+                    </a:lnL>
+                    <a:lnR>
+                      <a:noFill/>
+                    </a:lnR>
+                    <a:lnT>
+                      <a:noFill/>
+                    </a:lnT>
+                    <a:lnB>
+                      <a:noFill/>
+                    </a:lnB>
+                  </a:tcPr>
+                </a:tc>
+                <a:tc>
+                  <a:txBody>
+                    <a:bodyPr/>
+                    <a:lstStyle/>
+                    <a:p>
+                      <a:pPr algn="r" fontAlgn="b"/>
+                      <a:r>
+                        <a:rPr lang="en-MY" sz="1100" b="0" i="0" u="none" strike="noStrike">
+                          <a:solidFill>
+                            <a:srgbClr val="000000"/>
+                          </a:solidFill>
+                          <a:effectLst/>
+                          <a:latin typeface="Calibri" panose="020F0502020204030204" pitchFamily="34" charset="0"/>
+                        </a:rPr>
+                        <a:t>38</a:t>
+                      </a:r>
+                    </a:p>
+                  </a:txBody>
+                  <a:tcPr marL="7620" marR="7620" marT="7620" marB="0" anchor="b">
+                    <a:lnL>
+                      <a:noFill/>
+                    </a:lnL>
+                    <a:lnR>
+                      <a:noFill/>
+                    </a:lnR>
+                    <a:lnT>
+                      <a:noFill/>
+                    </a:lnT>
+                    <a:lnB>
+                      <a:noFill/>
+                    </a:lnB>
+                  </a:tcPr>
+                </a:tc>
+                <a:extLst>
+                  <a:ext uri="{0D108BD9-81ED-4DB2-BD59-A6C34878D82A}">
+                    <a16:rowId xmlns:a16="http://schemas.microsoft.com/office/drawing/2014/main" val="2562878658"/>
+                  </a:ext>
+                </a:extLst>
+              </a:tr>
+              <a:tr h="182880">
+                <a:tc>
+                  <a:txBody>
+                    <a:bodyPr/>
+                    <a:lstStyle/>
+                    <a:p>
+                      <a:pPr algn="l" fontAlgn="b"/>
+                      <a:r>
+                        <a:rPr lang="en-MY" sz="1100" b="0" i="0" u="none" strike="noStrike">
+                          <a:solidFill>
+                            <a:srgbClr val="000000"/>
+                          </a:solidFill>
+                          <a:effectLst/>
+                          <a:latin typeface="Calibri" panose="020F0502020204030204" pitchFamily="34" charset="0"/>
+                        </a:rPr>
+                        <a:t>Caoliang</a:t>
+                      </a:r>
+                    </a:p>
+                  </a:txBody>
+                  <a:tcPr marL="7620" marR="7620" marT="7620" marB="0" anchor="b">
+                    <a:lnL>
+                      <a:noFill/>
+                    </a:lnL>
+                    <a:lnR>
+                      <a:noFill/>
+                    </a:lnR>
+                    <a:lnT>
+                      <a:noFill/>
+                    </a:lnT>
+                    <a:lnB>
+                      <a:noFill/>
+                    </a:lnB>
+                  </a:tcPr>
+                </a:tc>
+                <a:tc>
+                  <a:txBody>
+                    <a:bodyPr/>
+                    <a:lstStyle/>
+                    <a:p>
+                      <a:pPr algn="r" fontAlgn="b"/>
+                      <a:r>
+                        <a:rPr lang="en-MY" sz="1100" b="0" i="0" u="none" strike="noStrike">
+                          <a:solidFill>
+                            <a:srgbClr val="000000"/>
+                          </a:solidFill>
+                          <a:effectLst/>
+                          <a:latin typeface="Calibri" panose="020F0502020204030204" pitchFamily="34" charset="0"/>
+                        </a:rPr>
+                        <a:t>2</a:t>
+                      </a:r>
+                    </a:p>
+                  </a:txBody>
+                  <a:tcPr marL="7620" marR="7620" marT="7620" marB="0" anchor="b">
+                    <a:lnL>
+                      <a:noFill/>
+                    </a:lnL>
+                    <a:lnR>
+                      <a:noFill/>
+                    </a:lnR>
+                    <a:lnT>
+                      <a:noFill/>
+                    </a:lnT>
+                    <a:lnB>
+                      <a:noFill/>
+                    </a:lnB>
+                  </a:tcPr>
+                </a:tc>
+                <a:tc>
+                  <a:txBody>
+                    <a:bodyPr/>
+                    <a:lstStyle/>
+                    <a:p>
+                      <a:pPr algn="r" fontAlgn="b"/>
+                      <a:r>
+                        <a:rPr lang="en-MY" sz="1100" b="0" i="0" u="none" strike="noStrike">
+                          <a:solidFill>
+                            <a:srgbClr val="000000"/>
+                          </a:solidFill>
+                          <a:effectLst/>
+                          <a:latin typeface="Calibri" panose="020F0502020204030204" pitchFamily="34" charset="0"/>
+                        </a:rPr>
+                        <a:t>38</a:t>
+                      </a:r>
+                    </a:p>
+                  </a:txBody>
+                  <a:tcPr marL="7620" marR="7620" marT="7620" marB="0" anchor="b">
+                    <a:lnL>
+                      <a:noFill/>
+                    </a:lnL>
+                    <a:lnR>
+                      <a:noFill/>
+                    </a:lnR>
+                    <a:lnT>
+                      <a:noFill/>
+                    </a:lnT>
+                    <a:lnB>
+                      <a:noFill/>
+                    </a:lnB>
+                  </a:tcPr>
+                </a:tc>
+                <a:extLst>
+                  <a:ext uri="{0D108BD9-81ED-4DB2-BD59-A6C34878D82A}">
+                    <a16:rowId xmlns:a16="http://schemas.microsoft.com/office/drawing/2014/main" val="2234189733"/>
+                  </a:ext>
+                </a:extLst>
+              </a:tr>
+              <a:tr h="182880">
+                <a:tc>
+                  <a:txBody>
+                    <a:bodyPr/>
+                    <a:lstStyle/>
+                    <a:p>
+                      <a:pPr algn="l" fontAlgn="b"/>
+                      <a:r>
+                        <a:rPr lang="en-MY" sz="1100" b="0" i="0" u="none" strike="noStrike">
+                          <a:solidFill>
+                            <a:srgbClr val="000000"/>
+                          </a:solidFill>
+                          <a:effectLst/>
+                          <a:latin typeface="Calibri" panose="020F0502020204030204" pitchFamily="34" charset="0"/>
+                        </a:rPr>
+                        <a:t>Francis</a:t>
+                      </a:r>
+                    </a:p>
+                  </a:txBody>
+                  <a:tcPr marL="7620" marR="7620" marT="7620" marB="0" anchor="b">
+                    <a:lnL>
+                      <a:noFill/>
+                    </a:lnL>
+                    <a:lnR>
+                      <a:noFill/>
+                    </a:lnR>
+                    <a:lnT>
+                      <a:noFill/>
+                    </a:lnT>
+                    <a:lnB>
+                      <a:noFill/>
+                    </a:lnB>
+                  </a:tcPr>
+                </a:tc>
+                <a:tc>
+                  <a:txBody>
+                    <a:bodyPr/>
+                    <a:lstStyle/>
+                    <a:p>
+                      <a:pPr algn="r" fontAlgn="b"/>
+                      <a:r>
+                        <a:rPr lang="en-MY" sz="1100" b="0" i="0" u="none" strike="noStrike" dirty="0">
+                          <a:solidFill>
+                            <a:srgbClr val="000000"/>
+                          </a:solidFill>
+                          <a:effectLst/>
+                          <a:latin typeface="Calibri" panose="020F0502020204030204" pitchFamily="34" charset="0"/>
+                        </a:rPr>
+                        <a:t>99999</a:t>
+                      </a:r>
+                    </a:p>
+                  </a:txBody>
+                  <a:tcPr marL="7620" marR="7620" marT="7620" marB="0" anchor="b">
+                    <a:lnL>
+                      <a:noFill/>
+                    </a:lnL>
+                    <a:lnR>
+                      <a:noFill/>
+                    </a:lnR>
+                    <a:lnT>
+                      <a:noFill/>
+                    </a:lnT>
+                    <a:lnB>
+                      <a:noFill/>
+                    </a:lnB>
+                  </a:tcPr>
+                </a:tc>
+                <a:tc>
+                  <a:txBody>
+                    <a:bodyPr/>
+                    <a:lstStyle/>
+                    <a:p>
+                      <a:pPr algn="r" fontAlgn="b"/>
+                      <a:r>
+                        <a:rPr lang="en-MY" sz="1100" b="0" i="0" u="none" strike="noStrike" dirty="0">
+                          <a:solidFill>
+                            <a:srgbClr val="000000"/>
+                          </a:solidFill>
+                          <a:effectLst/>
+                          <a:latin typeface="Calibri" panose="020F0502020204030204" pitchFamily="34" charset="0"/>
+                        </a:rPr>
+                        <a:t>36</a:t>
+                      </a:r>
+                    </a:p>
+                  </a:txBody>
+                  <a:tcPr marL="7620" marR="7620" marT="7620" marB="0" anchor="b">
+                    <a:lnL>
+                      <a:noFill/>
+                    </a:lnL>
+                    <a:lnR>
+                      <a:noFill/>
+                    </a:lnR>
+                    <a:lnT>
+                      <a:noFill/>
+                    </a:lnT>
+                    <a:lnB>
+                      <a:noFill/>
+                    </a:lnB>
+                  </a:tcPr>
+                </a:tc>
+                <a:extLst>
+                  <a:ext uri="{0D108BD9-81ED-4DB2-BD59-A6C34878D82A}">
+                    <a16:rowId xmlns:a16="http://schemas.microsoft.com/office/drawing/2014/main" val="379467299"/>
+                  </a:ext>
+                </a:extLst>
+              </a:tr>
+            </a:tbl>
+          </a:graphicData>
+        </a:graphic>
+      </p:graphicFrame>
+    </p:spTree>
+    <p:extLst>
+      <p:ext uri="{BB962C8B-B14F-4D97-AF65-F5344CB8AC3E}">
+        <p14:creationId xmlns:p14="http://schemas.microsoft.com/office/powerpoint/2010/main" val="3344090467"/>
+      </p:ext>
+    </p:extLst>
+  </p:cSld>
+  <p:clrMapOvr>
+    <a:masterClrMapping/>
+  </p:clrMapOvr>
+</p:sld>
+</file>
+
 <file path=ppt/theme/theme1.xml><?xml version="1.0" encoding="utf-8"?>
 <a:theme xmlns:a="http://schemas.openxmlformats.org/drawingml/2006/main" name="Office Theme">
   <a:themeElements>
